--- a/welcome/wrapup.pptx
+++ b/welcome/wrapup.pptx
@@ -39,7 +39,7 @@
       </p:grpSpPr>
       <p:sp>
         <p:nvSpPr>
-          <p:cNvPr id="96" name="PlaceHolder 1"/>
+          <p:cNvPr id="95" name="PlaceHolder 1"/>
           <p:cNvSpPr>
             <a:spLocks noGrp="1"/>
           </p:cNvSpPr>
@@ -61,27 +61,22 @@
             <a:noAutofit/>
           </a:bodyPr>
           <a:p>
-            <a:r>
-              <a:rPr b="0" lang="en-US" sz="1400" spc="-1" strike="noStrike">
-                <a:solidFill>
-                  <a:srgbClr val="000000"/>
-                </a:solidFill>
+            <a:pPr algn="ctr"/>
+            <a:r>
+              <a:rPr b="0" lang="en-US" sz="4400" spc="-1" strike="noStrike">
                 <a:latin typeface="Arial"/>
               </a:rPr>
               <a:t>Click to move the slide</a:t>
             </a:r>
-            <a:endParaRPr b="0" lang="en-US" sz="1400" spc="-1" strike="noStrike">
-              <a:solidFill>
-                <a:srgbClr val="000000"/>
-              </a:solidFill>
-              <a:latin typeface="Arial"/>
-            </a:endParaRPr>
-          </a:p>
-        </p:txBody>
-      </p:sp>
-      <p:sp>
-        <p:nvSpPr>
-          <p:cNvPr id="97" name="PlaceHolder 2"/>
+            <a:endParaRPr b="0" lang="en-US" sz="4400" spc="-1" strike="noStrike">
+              <a:latin typeface="Arial"/>
+            </a:endParaRPr>
+          </a:p>
+        </p:txBody>
+      </p:sp>
+      <p:sp>
+        <p:nvSpPr>
+          <p:cNvPr id="96" name="PlaceHolder 2"/>
           <p:cNvSpPr>
             <a:spLocks noGrp="1"/>
           </p:cNvSpPr>
@@ -117,7 +112,7 @@
       </p:sp>
       <p:sp>
         <p:nvSpPr>
-          <p:cNvPr id="98" name="PlaceHolder 3"/>
+          <p:cNvPr id="97" name="PlaceHolder 3"/>
           <p:cNvSpPr>
             <a:spLocks noGrp="1"/>
           </p:cNvSpPr>
@@ -153,7 +148,7 @@
       </p:sp>
       <p:sp>
         <p:nvSpPr>
-          <p:cNvPr id="99" name="PlaceHolder 4"/>
+          <p:cNvPr id="98" name="PlaceHolder 4"/>
           <p:cNvSpPr>
             <a:spLocks noGrp="1"/>
           </p:cNvSpPr>
@@ -190,7 +185,7 @@
       </p:sp>
       <p:sp>
         <p:nvSpPr>
-          <p:cNvPr id="100" name="PlaceHolder 5"/>
+          <p:cNvPr id="99" name="PlaceHolder 5"/>
           <p:cNvSpPr>
             <a:spLocks noGrp="1"/>
           </p:cNvSpPr>
@@ -226,7 +221,7 @@
       </p:sp>
       <p:sp>
         <p:nvSpPr>
-          <p:cNvPr id="101" name="PlaceHolder 6"/>
+          <p:cNvPr id="100" name="PlaceHolder 6"/>
           <p:cNvSpPr>
             <a:spLocks noGrp="1"/>
           </p:cNvSpPr>
@@ -249,7 +244,7 @@
           </a:bodyPr>
           <a:p>
             <a:pPr algn="r"/>
-            <a:fld id="{73848C0F-FE90-4CB8-864E-4FC563E41E31}" type="slidenum">
+            <a:fld id="{8DA6CD48-AEAE-458C-87B2-F9817DC55EA0}" type="slidenum">
               <a:rPr b="0" lang="en-US" sz="1400" spc="-1" strike="noStrike">
                 <a:latin typeface="Times New Roman"/>
               </a:rPr>
@@ -286,7 +281,7 @@
       </p:grpSpPr>
       <p:sp>
         <p:nvSpPr>
-          <p:cNvPr id="113" name="PlaceHolder 1"/>
+          <p:cNvPr id="112" name="PlaceHolder 1"/>
           <p:cNvSpPr>
             <a:spLocks noGrp="1"/>
           </p:cNvSpPr>
@@ -297,16 +292,16 @@
         <p:spPr>
           <a:xfrm>
             <a:off x="1143000" y="685800"/>
-            <a:ext cx="4571640" cy="3428640"/>
-          </a:xfrm>
-          <a:prstGeom prst="rect">
-            <a:avLst/>
-          </a:prstGeom>
-        </p:spPr>
-      </p:sp>
-      <p:sp>
-        <p:nvSpPr>
-          <p:cNvPr id="114" name="PlaceHolder 2"/>
+            <a:ext cx="4571280" cy="3428280"/>
+          </a:xfrm>
+          <a:prstGeom prst="rect">
+            <a:avLst/>
+          </a:prstGeom>
+        </p:spPr>
+      </p:sp>
+      <p:sp>
+        <p:nvSpPr>
+          <p:cNvPr id="113" name="PlaceHolder 2"/>
           <p:cNvSpPr>
             <a:spLocks noGrp="1"/>
           </p:cNvSpPr>
@@ -317,18 +312,18 @@
         <p:spPr>
           <a:xfrm>
             <a:off x="685800" y="4343400"/>
-            <a:ext cx="5486040" cy="4114440"/>
-          </a:xfrm>
-          <a:prstGeom prst="rect">
-            <a:avLst/>
-          </a:prstGeom>
-        </p:spPr>
-        <p:txBody>
-          <a:bodyPr tIns="91440" bIns="91440">
+            <a:ext cx="5485680" cy="4114080"/>
+          </a:xfrm>
+          <a:prstGeom prst="rect">
+            <a:avLst/>
+          </a:prstGeom>
+        </p:spPr>
+        <p:txBody>
+          <a:bodyPr lIns="0" rIns="0" tIns="91440" bIns="91440">
             <a:noAutofit/>
           </a:bodyPr>
           <a:p>
-            <a:pPr>
+            <a:pPr marL="216000" indent="-216000">
               <a:lnSpc>
                 <a:spcPct val="100000"/>
               </a:lnSpc>
@@ -344,7 +339,7 @@
             </a:endParaRPr>
           </a:p>
           <a:p>
-            <a:pPr>
+            <a:pPr marL="216000" indent="-216000">
               <a:lnSpc>
                 <a:spcPct val="100000"/>
               </a:lnSpc>
@@ -360,7 +355,7 @@
             </a:endParaRPr>
           </a:p>
           <a:p>
-            <a:pPr>
+            <a:pPr marL="216000" indent="-216000">
               <a:lnSpc>
                 <a:spcPct val="100000"/>
               </a:lnSpc>
@@ -370,7 +365,7 @@
             </a:endParaRPr>
           </a:p>
           <a:p>
-            <a:pPr>
+            <a:pPr marL="216000" indent="-216000">
               <a:lnSpc>
                 <a:spcPct val="100000"/>
               </a:lnSpc>
@@ -386,7 +381,7 @@
             </a:endParaRPr>
           </a:p>
           <a:p>
-            <a:pPr>
+            <a:pPr marL="216000" indent="-216000">
               <a:lnSpc>
                 <a:spcPct val="100000"/>
               </a:lnSpc>
@@ -421,7 +416,7 @@
       </p:grpSpPr>
       <p:sp>
         <p:nvSpPr>
-          <p:cNvPr id="115" name="PlaceHolder 1"/>
+          <p:cNvPr id="114" name="PlaceHolder 1"/>
           <p:cNvSpPr>
             <a:spLocks noGrp="1"/>
           </p:cNvSpPr>
@@ -432,16 +427,16 @@
         <p:spPr>
           <a:xfrm>
             <a:off x="1143000" y="685800"/>
-            <a:ext cx="4571640" cy="3428640"/>
-          </a:xfrm>
-          <a:prstGeom prst="rect">
-            <a:avLst/>
-          </a:prstGeom>
-        </p:spPr>
-      </p:sp>
-      <p:sp>
-        <p:nvSpPr>
-          <p:cNvPr id="116" name="PlaceHolder 2"/>
+            <a:ext cx="4571280" cy="3428280"/>
+          </a:xfrm>
+          <a:prstGeom prst="rect">
+            <a:avLst/>
+          </a:prstGeom>
+        </p:spPr>
+      </p:sp>
+      <p:sp>
+        <p:nvSpPr>
+          <p:cNvPr id="115" name="PlaceHolder 2"/>
           <p:cNvSpPr>
             <a:spLocks noGrp="1"/>
           </p:cNvSpPr>
@@ -452,18 +447,18 @@
         <p:spPr>
           <a:xfrm>
             <a:off x="685800" y="4343400"/>
-            <a:ext cx="5486040" cy="4114440"/>
-          </a:xfrm>
-          <a:prstGeom prst="rect">
-            <a:avLst/>
-          </a:prstGeom>
-        </p:spPr>
-        <p:txBody>
-          <a:bodyPr tIns="91440" bIns="91440">
+            <a:ext cx="5485680" cy="4114080"/>
+          </a:xfrm>
+          <a:prstGeom prst="rect">
+            <a:avLst/>
+          </a:prstGeom>
+        </p:spPr>
+        <p:txBody>
+          <a:bodyPr lIns="0" rIns="0" tIns="91440" bIns="91440">
             <a:noAutofit/>
           </a:bodyPr>
           <a:p>
-            <a:pPr marL="158760">
+            <a:pPr marL="158760" indent="-216000">
               <a:lnSpc>
                 <a:spcPct val="100000"/>
               </a:lnSpc>
@@ -479,7 +474,7 @@
             </a:endParaRPr>
           </a:p>
           <a:p>
-            <a:pPr marL="158760">
+            <a:pPr marL="158760" indent="-216000">
               <a:lnSpc>
                 <a:spcPct val="100000"/>
               </a:lnSpc>
@@ -489,7 +484,7 @@
             </a:endParaRPr>
           </a:p>
           <a:p>
-            <a:pPr marL="158760">
+            <a:pPr marL="158760" indent="-216000">
               <a:lnSpc>
                 <a:spcPct val="100000"/>
               </a:lnSpc>
@@ -505,7 +500,7 @@
             </a:endParaRPr>
           </a:p>
           <a:p>
-            <a:pPr marL="158760">
+            <a:pPr marL="158760" indent="-216000">
               <a:lnSpc>
                 <a:spcPct val="100000"/>
               </a:lnSpc>
@@ -515,7 +510,7 @@
             </a:endParaRPr>
           </a:p>
           <a:p>
-            <a:pPr marL="158760">
+            <a:pPr marL="158760" indent="-216000">
               <a:lnSpc>
                 <a:spcPct val="100000"/>
               </a:lnSpc>
@@ -531,7 +526,7 @@
             </a:endParaRPr>
           </a:p>
           <a:p>
-            <a:pPr marL="158760">
+            <a:pPr marL="158760" indent="-216000">
               <a:lnSpc>
                 <a:spcPct val="100000"/>
               </a:lnSpc>
@@ -553,7 +548,7 @@
             </a:endParaRPr>
           </a:p>
           <a:p>
-            <a:pPr marL="158760">
+            <a:pPr marL="158760" indent="-216000">
               <a:lnSpc>
                 <a:spcPct val="100000"/>
               </a:lnSpc>
@@ -575,7 +570,7 @@
             </a:endParaRPr>
           </a:p>
           <a:p>
-            <a:pPr marL="158760">
+            <a:pPr marL="158760" indent="-216000">
               <a:lnSpc>
                 <a:spcPct val="100000"/>
               </a:lnSpc>
@@ -597,7 +592,7 @@
             </a:endParaRPr>
           </a:p>
           <a:p>
-            <a:pPr marL="158760">
+            <a:pPr marL="158760" indent="-216000">
               <a:lnSpc>
                 <a:spcPct val="100000"/>
               </a:lnSpc>
@@ -619,7 +614,7 @@
             </a:endParaRPr>
           </a:p>
           <a:p>
-            <a:pPr marL="158760">
+            <a:pPr marL="158760" indent="-216000">
               <a:lnSpc>
                 <a:spcPct val="100000"/>
               </a:lnSpc>
@@ -635,7 +630,7 @@
             </a:endParaRPr>
           </a:p>
           <a:p>
-            <a:pPr marL="158760">
+            <a:pPr marL="158760" indent="-216000">
               <a:lnSpc>
                 <a:spcPct val="100000"/>
               </a:lnSpc>
@@ -657,7 +652,7 @@
             </a:endParaRPr>
           </a:p>
           <a:p>
-            <a:pPr marL="158760">
+            <a:pPr marL="158760" indent="-216000">
               <a:lnSpc>
                 <a:spcPct val="100000"/>
               </a:lnSpc>
@@ -667,7 +662,7 @@
             </a:endParaRPr>
           </a:p>
           <a:p>
-            <a:pPr marL="158760">
+            <a:pPr marL="158760" indent="-216000">
               <a:lnSpc>
                 <a:spcPct val="100000"/>
               </a:lnSpc>
@@ -683,7 +678,7 @@
             </a:endParaRPr>
           </a:p>
           <a:p>
-            <a:pPr marL="158760">
+            <a:pPr marL="158760" indent="-216000">
               <a:lnSpc>
                 <a:spcPct val="100000"/>
               </a:lnSpc>
@@ -699,7 +694,7 @@
             </a:endParaRPr>
           </a:p>
           <a:p>
-            <a:pPr marL="158760">
+            <a:pPr marL="158760" indent="-216000">
               <a:lnSpc>
                 <a:spcPct val="100000"/>
               </a:lnSpc>
@@ -734,7 +729,7 @@
       </p:grpSpPr>
       <p:sp>
         <p:nvSpPr>
-          <p:cNvPr id="117" name="PlaceHolder 1"/>
+          <p:cNvPr id="116" name="PlaceHolder 1"/>
           <p:cNvSpPr>
             <a:spLocks noGrp="1"/>
           </p:cNvSpPr>
@@ -745,16 +740,16 @@
         <p:spPr>
           <a:xfrm>
             <a:off x="1143000" y="685800"/>
-            <a:ext cx="4571640" cy="3428640"/>
-          </a:xfrm>
-          <a:prstGeom prst="rect">
-            <a:avLst/>
-          </a:prstGeom>
-        </p:spPr>
-      </p:sp>
-      <p:sp>
-        <p:nvSpPr>
-          <p:cNvPr id="118" name="PlaceHolder 2"/>
+            <a:ext cx="4571280" cy="3428280"/>
+          </a:xfrm>
+          <a:prstGeom prst="rect">
+            <a:avLst/>
+          </a:prstGeom>
+        </p:spPr>
+      </p:sp>
+      <p:sp>
+        <p:nvSpPr>
+          <p:cNvPr id="117" name="PlaceHolder 2"/>
           <p:cNvSpPr>
             <a:spLocks noGrp="1"/>
           </p:cNvSpPr>
@@ -765,18 +760,18 @@
         <p:spPr>
           <a:xfrm>
             <a:off x="685800" y="4343400"/>
-            <a:ext cx="5486040" cy="4114440"/>
-          </a:xfrm>
-          <a:prstGeom prst="rect">
-            <a:avLst/>
-          </a:prstGeom>
-        </p:spPr>
-        <p:txBody>
-          <a:bodyPr tIns="91440" bIns="91440">
+            <a:ext cx="5485680" cy="4114080"/>
+          </a:xfrm>
+          <a:prstGeom prst="rect">
+            <a:avLst/>
+          </a:prstGeom>
+        </p:spPr>
+        <p:txBody>
+          <a:bodyPr lIns="0" rIns="0" tIns="91440" bIns="91440">
             <a:noAutofit/>
           </a:bodyPr>
           <a:p>
-            <a:pPr marL="158760">
+            <a:pPr marL="158760" indent="-216000">
               <a:lnSpc>
                 <a:spcPct val="100000"/>
               </a:lnSpc>
@@ -792,7 +787,7 @@
             </a:endParaRPr>
           </a:p>
           <a:p>
-            <a:pPr marL="158760">
+            <a:pPr marL="158760" indent="-216000">
               <a:lnSpc>
                 <a:spcPct val="100000"/>
               </a:lnSpc>
@@ -802,7 +797,7 @@
             </a:endParaRPr>
           </a:p>
           <a:p>
-            <a:pPr marL="158760">
+            <a:pPr marL="158760" indent="-216000">
               <a:lnSpc>
                 <a:spcPct val="100000"/>
               </a:lnSpc>
@@ -818,7 +813,7 @@
             </a:endParaRPr>
           </a:p>
           <a:p>
-            <a:pPr marL="158760">
+            <a:pPr marL="158760" indent="-216000">
               <a:lnSpc>
                 <a:spcPct val="100000"/>
               </a:lnSpc>
@@ -828,7 +823,7 @@
             </a:endParaRPr>
           </a:p>
           <a:p>
-            <a:pPr marL="158760">
+            <a:pPr marL="158760" indent="-216000">
               <a:lnSpc>
                 <a:spcPct val="100000"/>
               </a:lnSpc>
@@ -844,7 +839,7 @@
             </a:endParaRPr>
           </a:p>
           <a:p>
-            <a:pPr marL="158760">
+            <a:pPr marL="158760" indent="-216000">
               <a:lnSpc>
                 <a:spcPct val="100000"/>
               </a:lnSpc>
@@ -866,7 +861,7 @@
             </a:endParaRPr>
           </a:p>
           <a:p>
-            <a:pPr marL="158760">
+            <a:pPr marL="158760" indent="-216000">
               <a:lnSpc>
                 <a:spcPct val="100000"/>
               </a:lnSpc>
@@ -888,7 +883,7 @@
             </a:endParaRPr>
           </a:p>
           <a:p>
-            <a:pPr marL="158760">
+            <a:pPr marL="158760" indent="-216000">
               <a:lnSpc>
                 <a:spcPct val="100000"/>
               </a:lnSpc>
@@ -910,7 +905,7 @@
             </a:endParaRPr>
           </a:p>
           <a:p>
-            <a:pPr marL="158760">
+            <a:pPr marL="158760" indent="-216000">
               <a:lnSpc>
                 <a:spcPct val="100000"/>
               </a:lnSpc>
@@ -932,7 +927,7 @@
             </a:endParaRPr>
           </a:p>
           <a:p>
-            <a:pPr marL="158760">
+            <a:pPr marL="158760" indent="-216000">
               <a:lnSpc>
                 <a:spcPct val="100000"/>
               </a:lnSpc>
@@ -948,7 +943,7 @@
             </a:endParaRPr>
           </a:p>
           <a:p>
-            <a:pPr marL="158760">
+            <a:pPr marL="158760" indent="-216000">
               <a:lnSpc>
                 <a:spcPct val="100000"/>
               </a:lnSpc>
@@ -970,7 +965,7 @@
             </a:endParaRPr>
           </a:p>
           <a:p>
-            <a:pPr marL="158760">
+            <a:pPr marL="158760" indent="-216000">
               <a:lnSpc>
                 <a:spcPct val="100000"/>
               </a:lnSpc>
@@ -980,7 +975,7 @@
             </a:endParaRPr>
           </a:p>
           <a:p>
-            <a:pPr marL="158760">
+            <a:pPr marL="158760" indent="-216000">
               <a:lnSpc>
                 <a:spcPct val="100000"/>
               </a:lnSpc>
@@ -996,7 +991,7 @@
             </a:endParaRPr>
           </a:p>
           <a:p>
-            <a:pPr marL="158760">
+            <a:pPr marL="158760" indent="-216000">
               <a:lnSpc>
                 <a:spcPct val="100000"/>
               </a:lnSpc>
@@ -1012,7 +1007,7 @@
             </a:endParaRPr>
           </a:p>
           <a:p>
-            <a:pPr marL="158760">
+            <a:pPr marL="158760" indent="-216000">
               <a:lnSpc>
                 <a:spcPct val="100000"/>
               </a:lnSpc>
@@ -1047,7 +1042,7 @@
       </p:grpSpPr>
       <p:sp>
         <p:nvSpPr>
-          <p:cNvPr id="119" name="PlaceHolder 1"/>
+          <p:cNvPr id="118" name="PlaceHolder 1"/>
           <p:cNvSpPr>
             <a:spLocks noGrp="1"/>
           </p:cNvSpPr>
@@ -1058,16 +1053,16 @@
         <p:spPr>
           <a:xfrm>
             <a:off x="1143000" y="685800"/>
-            <a:ext cx="4571640" cy="3428640"/>
-          </a:xfrm>
-          <a:prstGeom prst="rect">
-            <a:avLst/>
-          </a:prstGeom>
-        </p:spPr>
-      </p:sp>
-      <p:sp>
-        <p:nvSpPr>
-          <p:cNvPr id="120" name="PlaceHolder 2"/>
+            <a:ext cx="4571280" cy="3428280"/>
+          </a:xfrm>
+          <a:prstGeom prst="rect">
+            <a:avLst/>
+          </a:prstGeom>
+        </p:spPr>
+      </p:sp>
+      <p:sp>
+        <p:nvSpPr>
+          <p:cNvPr id="119" name="PlaceHolder 2"/>
           <p:cNvSpPr>
             <a:spLocks noGrp="1"/>
           </p:cNvSpPr>
@@ -1078,18 +1073,18 @@
         <p:spPr>
           <a:xfrm>
             <a:off x="685800" y="4343400"/>
-            <a:ext cx="5486040" cy="4114440"/>
-          </a:xfrm>
-          <a:prstGeom prst="rect">
-            <a:avLst/>
-          </a:prstGeom>
-        </p:spPr>
-        <p:txBody>
-          <a:bodyPr tIns="91440" bIns="91440">
+            <a:ext cx="5485680" cy="4114080"/>
+          </a:xfrm>
+          <a:prstGeom prst="rect">
+            <a:avLst/>
+          </a:prstGeom>
+        </p:spPr>
+        <p:txBody>
+          <a:bodyPr lIns="0" rIns="0" tIns="91440" bIns="91440">
             <a:noAutofit/>
           </a:bodyPr>
           <a:p>
-            <a:pPr marL="158760">
+            <a:pPr marL="158760" indent="-216000">
               <a:lnSpc>
                 <a:spcPct val="100000"/>
               </a:lnSpc>
@@ -1105,7 +1100,7 @@
             </a:endParaRPr>
           </a:p>
           <a:p>
-            <a:pPr marL="158760">
+            <a:pPr marL="158760" indent="-216000">
               <a:lnSpc>
                 <a:spcPct val="100000"/>
               </a:lnSpc>
@@ -1121,7 +1116,7 @@
             </a:endParaRPr>
           </a:p>
           <a:p>
-            <a:pPr marL="158760">
+            <a:pPr marL="158760" indent="-216000">
               <a:lnSpc>
                 <a:spcPct val="100000"/>
               </a:lnSpc>
@@ -1131,7 +1126,7 @@
             </a:endParaRPr>
           </a:p>
           <a:p>
-            <a:pPr marL="158760">
+            <a:pPr marL="158760" indent="-216000">
               <a:lnSpc>
                 <a:spcPct val="100000"/>
               </a:lnSpc>
@@ -1147,7 +1142,7 @@
             </a:endParaRPr>
           </a:p>
           <a:p>
-            <a:pPr marL="158760">
+            <a:pPr marL="158760" indent="-216000">
               <a:lnSpc>
                 <a:spcPct val="100000"/>
               </a:lnSpc>
@@ -1163,7 +1158,7 @@
             </a:endParaRPr>
           </a:p>
           <a:p>
-            <a:pPr marL="158760">
+            <a:pPr marL="158760" indent="-216000">
               <a:lnSpc>
                 <a:spcPct val="100000"/>
               </a:lnSpc>
@@ -1179,7 +1174,7 @@
             </a:endParaRPr>
           </a:p>
           <a:p>
-            <a:pPr marL="158760">
+            <a:pPr marL="158760" indent="-216000">
               <a:lnSpc>
                 <a:spcPct val="100000"/>
               </a:lnSpc>
@@ -1214,7 +1209,7 @@
       </p:grpSpPr>
       <p:sp>
         <p:nvSpPr>
-          <p:cNvPr id="121" name="PlaceHolder 1"/>
+          <p:cNvPr id="120" name="PlaceHolder 1"/>
           <p:cNvSpPr>
             <a:spLocks noGrp="1"/>
           </p:cNvSpPr>
@@ -1225,16 +1220,16 @@
         <p:spPr>
           <a:xfrm>
             <a:off x="1143000" y="685800"/>
-            <a:ext cx="4571640" cy="3428640"/>
-          </a:xfrm>
-          <a:prstGeom prst="rect">
-            <a:avLst/>
-          </a:prstGeom>
-        </p:spPr>
-      </p:sp>
-      <p:sp>
-        <p:nvSpPr>
-          <p:cNvPr id="122" name="PlaceHolder 2"/>
+            <a:ext cx="4571280" cy="3428280"/>
+          </a:xfrm>
+          <a:prstGeom prst="rect">
+            <a:avLst/>
+          </a:prstGeom>
+        </p:spPr>
+      </p:sp>
+      <p:sp>
+        <p:nvSpPr>
+          <p:cNvPr id="121" name="PlaceHolder 2"/>
           <p:cNvSpPr>
             <a:spLocks noGrp="1"/>
           </p:cNvSpPr>
@@ -1245,18 +1240,18 @@
         <p:spPr>
           <a:xfrm>
             <a:off x="685800" y="4343400"/>
-            <a:ext cx="5486040" cy="4114440"/>
-          </a:xfrm>
-          <a:prstGeom prst="rect">
-            <a:avLst/>
-          </a:prstGeom>
-        </p:spPr>
-        <p:txBody>
-          <a:bodyPr tIns="91440" bIns="91440">
+            <a:ext cx="5485680" cy="4114080"/>
+          </a:xfrm>
+          <a:prstGeom prst="rect">
+            <a:avLst/>
+          </a:prstGeom>
+        </p:spPr>
+        <p:txBody>
+          <a:bodyPr lIns="0" rIns="0" tIns="91440" bIns="91440">
             <a:noAutofit/>
           </a:bodyPr>
           <a:p>
-            <a:pPr marL="158760">
+            <a:pPr marL="158760" indent="-216000">
               <a:lnSpc>
                 <a:spcPct val="100000"/>
               </a:lnSpc>
@@ -1272,7 +1267,7 @@
             </a:endParaRPr>
           </a:p>
           <a:p>
-            <a:pPr marL="158760">
+            <a:pPr marL="158760" indent="-216000">
               <a:lnSpc>
                 <a:spcPct val="100000"/>
               </a:lnSpc>
@@ -1288,7 +1283,7 @@
             </a:endParaRPr>
           </a:p>
           <a:p>
-            <a:pPr marL="158760">
+            <a:pPr marL="158760" indent="-216000">
               <a:lnSpc>
                 <a:spcPct val="100000"/>
               </a:lnSpc>
@@ -1298,7 +1293,7 @@
             </a:endParaRPr>
           </a:p>
           <a:p>
-            <a:pPr marL="158760">
+            <a:pPr marL="158760" indent="-216000">
               <a:lnSpc>
                 <a:spcPct val="100000"/>
               </a:lnSpc>
@@ -1314,7 +1309,7 @@
             </a:endParaRPr>
           </a:p>
           <a:p>
-            <a:pPr marL="158760">
+            <a:pPr marL="158760" indent="-216000">
               <a:lnSpc>
                 <a:spcPct val="100000"/>
               </a:lnSpc>
@@ -1330,7 +1325,7 @@
             </a:endParaRPr>
           </a:p>
           <a:p>
-            <a:pPr marL="158760">
+            <a:pPr marL="158760" indent="-216000">
               <a:lnSpc>
                 <a:spcPct val="100000"/>
               </a:lnSpc>
@@ -1346,7 +1341,7 @@
             </a:endParaRPr>
           </a:p>
           <a:p>
-            <a:pPr marL="158760">
+            <a:pPr marL="158760" indent="-216000">
               <a:lnSpc>
                 <a:spcPct val="100000"/>
               </a:lnSpc>
@@ -1414,7 +1409,7 @@
         <p:spPr>
           <a:xfrm>
             <a:off x="311760" y="288720"/>
-            <a:ext cx="8520120" cy="763200"/>
+            <a:ext cx="8519760" cy="762840"/>
           </a:xfrm>
           <a:prstGeom prst="rect">
             <a:avLst/>
@@ -1425,10 +1420,8 @@
             <a:noAutofit/>
           </a:bodyPr>
           <a:p>
-            <a:endParaRPr b="0" lang="en-US" sz="1400" spc="-1" strike="noStrike">
-              <a:solidFill>
-                <a:srgbClr val="000000"/>
-              </a:solidFill>
+            <a:pPr algn="ctr"/>
+            <a:endParaRPr b="0" lang="en-US" sz="4400" spc="-1" strike="noStrike">
               <a:latin typeface="Arial"/>
             </a:endParaRPr>
           </a:p>
@@ -1447,7 +1440,7 @@
         <p:spPr>
           <a:xfrm>
             <a:off x="311760" y="1536480"/>
-            <a:ext cx="8520120" cy="2172240"/>
+            <a:ext cx="8519760" cy="2172240"/>
           </a:xfrm>
           <a:prstGeom prst="rect">
             <a:avLst/>
@@ -1458,10 +1451,7 @@
             <a:normAutofit/>
           </a:bodyPr>
           <a:p>
-            <a:endParaRPr b="0" lang="en-US" sz="1400" spc="-1" strike="noStrike">
-              <a:solidFill>
-                <a:srgbClr val="000000"/>
-              </a:solidFill>
+            <a:endParaRPr b="0" lang="en-US" sz="3200" spc="-1" strike="noStrike">
               <a:latin typeface="Arial"/>
             </a:endParaRPr>
           </a:p>
@@ -1480,7 +1470,7 @@
         <p:spPr>
           <a:xfrm>
             <a:off x="311760" y="3915360"/>
-            <a:ext cx="8520120" cy="2172240"/>
+            <a:ext cx="8519760" cy="2172240"/>
           </a:xfrm>
           <a:prstGeom prst="rect">
             <a:avLst/>
@@ -1491,10 +1481,7 @@
             <a:normAutofit/>
           </a:bodyPr>
           <a:p>
-            <a:endParaRPr b="0" lang="en-US" sz="1400" spc="-1" strike="noStrike">
-              <a:solidFill>
-                <a:srgbClr val="000000"/>
-              </a:solidFill>
+            <a:endParaRPr b="0" lang="en-US" sz="3200" spc="-1" strike="noStrike">
               <a:latin typeface="Arial"/>
             </a:endParaRPr>
           </a:p>
@@ -1535,7 +1522,7 @@
         <p:spPr>
           <a:xfrm>
             <a:off x="311760" y="288720"/>
-            <a:ext cx="8520120" cy="763200"/>
+            <a:ext cx="8519760" cy="762840"/>
           </a:xfrm>
           <a:prstGeom prst="rect">
             <a:avLst/>
@@ -1546,10 +1533,8 @@
             <a:noAutofit/>
           </a:bodyPr>
           <a:p>
-            <a:endParaRPr b="0" lang="en-US" sz="1400" spc="-1" strike="noStrike">
-              <a:solidFill>
-                <a:srgbClr val="000000"/>
-              </a:solidFill>
+            <a:pPr algn="ctr"/>
+            <a:endParaRPr b="0" lang="en-US" sz="4400" spc="-1" strike="noStrike">
               <a:latin typeface="Arial"/>
             </a:endParaRPr>
           </a:p>
@@ -1568,7 +1553,7 @@
         <p:spPr>
           <a:xfrm>
             <a:off x="311760" y="1536480"/>
-            <a:ext cx="4157640" cy="2172240"/>
+            <a:ext cx="4157280" cy="2172240"/>
           </a:xfrm>
           <a:prstGeom prst="rect">
             <a:avLst/>
@@ -1579,10 +1564,7 @@
             <a:normAutofit/>
           </a:bodyPr>
           <a:p>
-            <a:endParaRPr b="0" lang="en-US" sz="1400" spc="-1" strike="noStrike">
-              <a:solidFill>
-                <a:srgbClr val="000000"/>
-              </a:solidFill>
+            <a:endParaRPr b="0" lang="en-US" sz="3200" spc="-1" strike="noStrike">
               <a:latin typeface="Arial"/>
             </a:endParaRPr>
           </a:p>
@@ -1600,8 +1582,8 @@
         </p:nvSpPr>
         <p:spPr>
           <a:xfrm>
-            <a:off x="4677840" y="1536480"/>
-            <a:ext cx="4157640" cy="2172240"/>
+            <a:off x="4677120" y="1536480"/>
+            <a:ext cx="4157280" cy="2172240"/>
           </a:xfrm>
           <a:prstGeom prst="rect">
             <a:avLst/>
@@ -1612,10 +1594,7 @@
             <a:normAutofit/>
           </a:bodyPr>
           <a:p>
-            <a:endParaRPr b="0" lang="en-US" sz="1400" spc="-1" strike="noStrike">
-              <a:solidFill>
-                <a:srgbClr val="000000"/>
-              </a:solidFill>
+            <a:endParaRPr b="0" lang="en-US" sz="3200" spc="-1" strike="noStrike">
               <a:latin typeface="Arial"/>
             </a:endParaRPr>
           </a:p>
@@ -1634,7 +1613,7 @@
         <p:spPr>
           <a:xfrm>
             <a:off x="311760" y="3915360"/>
-            <a:ext cx="4157640" cy="2172240"/>
+            <a:ext cx="4157280" cy="2172240"/>
           </a:xfrm>
           <a:prstGeom prst="rect">
             <a:avLst/>
@@ -1645,10 +1624,7 @@
             <a:normAutofit/>
           </a:bodyPr>
           <a:p>
-            <a:endParaRPr b="0" lang="en-US" sz="1400" spc="-1" strike="noStrike">
-              <a:solidFill>
-                <a:srgbClr val="000000"/>
-              </a:solidFill>
+            <a:endParaRPr b="0" lang="en-US" sz="3200" spc="-1" strike="noStrike">
               <a:latin typeface="Arial"/>
             </a:endParaRPr>
           </a:p>
@@ -1666,8 +1642,8 @@
         </p:nvSpPr>
         <p:spPr>
           <a:xfrm>
-            <a:off x="4677840" y="3915360"/>
-            <a:ext cx="4157640" cy="2172240"/>
+            <a:off x="4677120" y="3915360"/>
+            <a:ext cx="4157280" cy="2172240"/>
           </a:xfrm>
           <a:prstGeom prst="rect">
             <a:avLst/>
@@ -1678,10 +1654,7 @@
             <a:normAutofit/>
           </a:bodyPr>
           <a:p>
-            <a:endParaRPr b="0" lang="en-US" sz="1400" spc="-1" strike="noStrike">
-              <a:solidFill>
-                <a:srgbClr val="000000"/>
-              </a:solidFill>
+            <a:endParaRPr b="0" lang="en-US" sz="3200" spc="-1" strike="noStrike">
               <a:latin typeface="Arial"/>
             </a:endParaRPr>
           </a:p>
@@ -1722,7 +1695,7 @@
         <p:spPr>
           <a:xfrm>
             <a:off x="311760" y="288720"/>
-            <a:ext cx="8520120" cy="763200"/>
+            <a:ext cx="8519760" cy="762840"/>
           </a:xfrm>
           <a:prstGeom prst="rect">
             <a:avLst/>
@@ -1733,10 +1706,8 @@
             <a:noAutofit/>
           </a:bodyPr>
           <a:p>
-            <a:endParaRPr b="0" lang="en-US" sz="1400" spc="-1" strike="noStrike">
-              <a:solidFill>
-                <a:srgbClr val="000000"/>
-              </a:solidFill>
+            <a:pPr algn="ctr"/>
+            <a:endParaRPr b="0" lang="en-US" sz="4400" spc="-1" strike="noStrike">
               <a:latin typeface="Arial"/>
             </a:endParaRPr>
           </a:p>
@@ -1766,10 +1737,7 @@
             <a:normAutofit/>
           </a:bodyPr>
           <a:p>
-            <a:endParaRPr b="0" lang="en-US" sz="1400" spc="-1" strike="noStrike">
-              <a:solidFill>
-                <a:srgbClr val="000000"/>
-              </a:solidFill>
+            <a:endParaRPr b="0" lang="en-US" sz="3200" spc="-1" strike="noStrike">
               <a:latin typeface="Arial"/>
             </a:endParaRPr>
           </a:p>
@@ -1799,10 +1767,7 @@
             <a:normAutofit/>
           </a:bodyPr>
           <a:p>
-            <a:endParaRPr b="0" lang="en-US" sz="1400" spc="-1" strike="noStrike">
-              <a:solidFill>
-                <a:srgbClr val="000000"/>
-              </a:solidFill>
+            <a:endParaRPr b="0" lang="en-US" sz="3200" spc="-1" strike="noStrike">
               <a:latin typeface="Arial"/>
             </a:endParaRPr>
           </a:p>
@@ -1832,10 +1797,7 @@
             <a:normAutofit/>
           </a:bodyPr>
           <a:p>
-            <a:endParaRPr b="0" lang="en-US" sz="1400" spc="-1" strike="noStrike">
-              <a:solidFill>
-                <a:srgbClr val="000000"/>
-              </a:solidFill>
+            <a:endParaRPr b="0" lang="en-US" sz="3200" spc="-1" strike="noStrike">
               <a:latin typeface="Arial"/>
             </a:endParaRPr>
           </a:p>
@@ -1865,10 +1827,7 @@
             <a:normAutofit/>
           </a:bodyPr>
           <a:p>
-            <a:endParaRPr b="0" lang="en-US" sz="1400" spc="-1" strike="noStrike">
-              <a:solidFill>
-                <a:srgbClr val="000000"/>
-              </a:solidFill>
+            <a:endParaRPr b="0" lang="en-US" sz="3200" spc="-1" strike="noStrike">
               <a:latin typeface="Arial"/>
             </a:endParaRPr>
           </a:p>
@@ -1898,10 +1857,7 @@
             <a:normAutofit/>
           </a:bodyPr>
           <a:p>
-            <a:endParaRPr b="0" lang="en-US" sz="1400" spc="-1" strike="noStrike">
-              <a:solidFill>
-                <a:srgbClr val="000000"/>
-              </a:solidFill>
+            <a:endParaRPr b="0" lang="en-US" sz="3200" spc="-1" strike="noStrike">
               <a:latin typeface="Arial"/>
             </a:endParaRPr>
           </a:p>
@@ -1931,10 +1887,7 @@
             <a:normAutofit/>
           </a:bodyPr>
           <a:p>
-            <a:endParaRPr b="0" lang="en-US" sz="1400" spc="-1" strike="noStrike">
-              <a:solidFill>
-                <a:srgbClr val="000000"/>
-              </a:solidFill>
+            <a:endParaRPr b="0" lang="en-US" sz="3200" spc="-1" strike="noStrike">
               <a:latin typeface="Arial"/>
             </a:endParaRPr>
           </a:p>
@@ -1986,7 +1939,7 @@
       </p:grpSpPr>
       <p:sp>
         <p:nvSpPr>
-          <p:cNvPr id="60" name="PlaceHolder 1"/>
+          <p:cNvPr id="59" name="PlaceHolder 1"/>
           <p:cNvSpPr>
             <a:spLocks noGrp="1"/>
           </p:cNvSpPr>
@@ -1997,7 +1950,7 @@
         <p:spPr>
           <a:xfrm>
             <a:off x="311760" y="288720"/>
-            <a:ext cx="8520120" cy="763200"/>
+            <a:ext cx="8519760" cy="762840"/>
           </a:xfrm>
           <a:prstGeom prst="rect">
             <a:avLst/>
@@ -2008,18 +1961,16 @@
             <a:noAutofit/>
           </a:bodyPr>
           <a:p>
-            <a:endParaRPr b="0" lang="en-US" sz="1400" spc="-1" strike="noStrike">
-              <a:solidFill>
-                <a:srgbClr val="000000"/>
-              </a:solidFill>
-              <a:latin typeface="Arial"/>
-            </a:endParaRPr>
-          </a:p>
-        </p:txBody>
-      </p:sp>
-      <p:sp>
-        <p:nvSpPr>
-          <p:cNvPr id="61" name="PlaceHolder 2"/>
+            <a:pPr algn="ctr"/>
+            <a:endParaRPr b="0" lang="en-US" sz="4400" spc="-1" strike="noStrike">
+              <a:latin typeface="Arial"/>
+            </a:endParaRPr>
+          </a:p>
+        </p:txBody>
+      </p:sp>
+      <p:sp>
+        <p:nvSpPr>
+          <p:cNvPr id="60" name="PlaceHolder 2"/>
           <p:cNvSpPr>
             <a:spLocks noGrp="1"/>
           </p:cNvSpPr>
@@ -2030,7 +1981,7 @@
         <p:spPr>
           <a:xfrm>
             <a:off x="311760" y="1536480"/>
-            <a:ext cx="8520120" cy="4554720"/>
+            <a:ext cx="8519760" cy="4554360"/>
           </a:xfrm>
           <a:prstGeom prst="rect">
             <a:avLst/>
@@ -2072,7 +2023,7 @@
       </p:grpSpPr>
       <p:sp>
         <p:nvSpPr>
-          <p:cNvPr id="62" name="PlaceHolder 1"/>
+          <p:cNvPr id="61" name="PlaceHolder 1"/>
           <p:cNvSpPr>
             <a:spLocks noGrp="1"/>
           </p:cNvSpPr>
@@ -2083,7 +2034,7 @@
         <p:spPr>
           <a:xfrm>
             <a:off x="311760" y="288720"/>
-            <a:ext cx="8520120" cy="763200"/>
+            <a:ext cx="8519760" cy="762840"/>
           </a:xfrm>
           <a:prstGeom prst="rect">
             <a:avLst/>
@@ -2094,18 +2045,16 @@
             <a:noAutofit/>
           </a:bodyPr>
           <a:p>
-            <a:endParaRPr b="0" lang="en-US" sz="1400" spc="-1" strike="noStrike">
-              <a:solidFill>
-                <a:srgbClr val="000000"/>
-              </a:solidFill>
-              <a:latin typeface="Arial"/>
-            </a:endParaRPr>
-          </a:p>
-        </p:txBody>
-      </p:sp>
-      <p:sp>
-        <p:nvSpPr>
-          <p:cNvPr id="63" name="PlaceHolder 2"/>
+            <a:pPr algn="ctr"/>
+            <a:endParaRPr b="0" lang="en-US" sz="4400" spc="-1" strike="noStrike">
+              <a:latin typeface="Arial"/>
+            </a:endParaRPr>
+          </a:p>
+        </p:txBody>
+      </p:sp>
+      <p:sp>
+        <p:nvSpPr>
+          <p:cNvPr id="62" name="PlaceHolder 2"/>
           <p:cNvSpPr>
             <a:spLocks noGrp="1"/>
           </p:cNvSpPr>
@@ -2116,7 +2065,7 @@
         <p:spPr>
           <a:xfrm>
             <a:off x="311760" y="1536480"/>
-            <a:ext cx="8520120" cy="4554720"/>
+            <a:ext cx="8519760" cy="4554360"/>
           </a:xfrm>
           <a:prstGeom prst="rect">
             <a:avLst/>
@@ -2127,10 +2076,7 @@
             <a:normAutofit/>
           </a:bodyPr>
           <a:p>
-            <a:endParaRPr b="0" lang="en-US" sz="1400" spc="-1" strike="noStrike">
-              <a:solidFill>
-                <a:srgbClr val="000000"/>
-              </a:solidFill>
+            <a:endParaRPr b="0" lang="en-US" sz="3200" spc="-1" strike="noStrike">
               <a:latin typeface="Arial"/>
             </a:endParaRPr>
           </a:p>
@@ -2160,7 +2106,7 @@
       </p:grpSpPr>
       <p:sp>
         <p:nvSpPr>
-          <p:cNvPr id="64" name="PlaceHolder 1"/>
+          <p:cNvPr id="63" name="PlaceHolder 1"/>
           <p:cNvSpPr>
             <a:spLocks noGrp="1"/>
           </p:cNvSpPr>
@@ -2171,7 +2117,7 @@
         <p:spPr>
           <a:xfrm>
             <a:off x="311760" y="288720"/>
-            <a:ext cx="8520120" cy="763200"/>
+            <a:ext cx="8519760" cy="762840"/>
           </a:xfrm>
           <a:prstGeom prst="rect">
             <a:avLst/>
@@ -2182,18 +2128,16 @@
             <a:noAutofit/>
           </a:bodyPr>
           <a:p>
-            <a:endParaRPr b="0" lang="en-US" sz="1400" spc="-1" strike="noStrike">
-              <a:solidFill>
-                <a:srgbClr val="000000"/>
-              </a:solidFill>
-              <a:latin typeface="Arial"/>
-            </a:endParaRPr>
-          </a:p>
-        </p:txBody>
-      </p:sp>
-      <p:sp>
-        <p:nvSpPr>
-          <p:cNvPr id="65" name="PlaceHolder 2"/>
+            <a:pPr algn="ctr"/>
+            <a:endParaRPr b="0" lang="en-US" sz="4400" spc="-1" strike="noStrike">
+              <a:latin typeface="Arial"/>
+            </a:endParaRPr>
+          </a:p>
+        </p:txBody>
+      </p:sp>
+      <p:sp>
+        <p:nvSpPr>
+          <p:cNvPr id="64" name="PlaceHolder 2"/>
           <p:cNvSpPr>
             <a:spLocks noGrp="1"/>
           </p:cNvSpPr>
@@ -2204,7 +2148,7 @@
         <p:spPr>
           <a:xfrm>
             <a:off x="311760" y="1536480"/>
-            <a:ext cx="4157640" cy="4554720"/>
+            <a:ext cx="4157280" cy="4554360"/>
           </a:xfrm>
           <a:prstGeom prst="rect">
             <a:avLst/>
@@ -2215,18 +2159,15 @@
             <a:normAutofit/>
           </a:bodyPr>
           <a:p>
-            <a:endParaRPr b="0" lang="en-US" sz="1400" spc="-1" strike="noStrike">
-              <a:solidFill>
-                <a:srgbClr val="000000"/>
-              </a:solidFill>
-              <a:latin typeface="Arial"/>
-            </a:endParaRPr>
-          </a:p>
-        </p:txBody>
-      </p:sp>
-      <p:sp>
-        <p:nvSpPr>
-          <p:cNvPr id="66" name="PlaceHolder 3"/>
+            <a:endParaRPr b="0" lang="en-US" sz="3200" spc="-1" strike="noStrike">
+              <a:latin typeface="Arial"/>
+            </a:endParaRPr>
+          </a:p>
+        </p:txBody>
+      </p:sp>
+      <p:sp>
+        <p:nvSpPr>
+          <p:cNvPr id="65" name="PlaceHolder 3"/>
           <p:cNvSpPr>
             <a:spLocks noGrp="1"/>
           </p:cNvSpPr>
@@ -2236,8 +2177,8 @@
         </p:nvSpPr>
         <p:spPr>
           <a:xfrm>
-            <a:off x="4677840" y="1536480"/>
-            <a:ext cx="4157640" cy="4554720"/>
+            <a:off x="4677120" y="1536480"/>
+            <a:ext cx="4157280" cy="4554360"/>
           </a:xfrm>
           <a:prstGeom prst="rect">
             <a:avLst/>
@@ -2248,10 +2189,7 @@
             <a:normAutofit/>
           </a:bodyPr>
           <a:p>
-            <a:endParaRPr b="0" lang="en-US" sz="1400" spc="-1" strike="noStrike">
-              <a:solidFill>
-                <a:srgbClr val="000000"/>
-              </a:solidFill>
+            <a:endParaRPr b="0" lang="en-US" sz="3200" spc="-1" strike="noStrike">
               <a:latin typeface="Arial"/>
             </a:endParaRPr>
           </a:p>
@@ -2281,7 +2219,7 @@
       </p:grpSpPr>
       <p:sp>
         <p:nvSpPr>
-          <p:cNvPr id="67" name="PlaceHolder 1"/>
+          <p:cNvPr id="66" name="PlaceHolder 1"/>
           <p:cNvSpPr>
             <a:spLocks noGrp="1"/>
           </p:cNvSpPr>
@@ -2292,7 +2230,7 @@
         <p:spPr>
           <a:xfrm>
             <a:off x="311760" y="288720"/>
-            <a:ext cx="8520120" cy="763200"/>
+            <a:ext cx="8519760" cy="762840"/>
           </a:xfrm>
           <a:prstGeom prst="rect">
             <a:avLst/>
@@ -2303,10 +2241,8 @@
             <a:noAutofit/>
           </a:bodyPr>
           <a:p>
-            <a:endParaRPr b="0" lang="en-US" sz="1400" spc="-1" strike="noStrike">
-              <a:solidFill>
-                <a:srgbClr val="000000"/>
-              </a:solidFill>
+            <a:pPr algn="ctr"/>
+            <a:endParaRPr b="0" lang="en-US" sz="4400" spc="-1" strike="noStrike">
               <a:latin typeface="Arial"/>
             </a:endParaRPr>
           </a:p>
@@ -2336,7 +2272,7 @@
       </p:grpSpPr>
       <p:sp>
         <p:nvSpPr>
-          <p:cNvPr id="68" name="PlaceHolder 1"/>
+          <p:cNvPr id="67" name="PlaceHolder 1"/>
           <p:cNvSpPr>
             <a:spLocks noGrp="1"/>
           </p:cNvSpPr>
@@ -2347,7 +2283,7 @@
         <p:spPr>
           <a:xfrm>
             <a:off x="311760" y="288720"/>
-            <a:ext cx="8520120" cy="3539160"/>
+            <a:ext cx="8519760" cy="3537360"/>
           </a:xfrm>
           <a:prstGeom prst="rect">
             <a:avLst/>
@@ -2389,7 +2325,7 @@
       </p:grpSpPr>
       <p:sp>
         <p:nvSpPr>
-          <p:cNvPr id="69" name="PlaceHolder 1"/>
+          <p:cNvPr id="68" name="PlaceHolder 1"/>
           <p:cNvSpPr>
             <a:spLocks noGrp="1"/>
           </p:cNvSpPr>
@@ -2400,7 +2336,7 @@
         <p:spPr>
           <a:xfrm>
             <a:off x="311760" y="288720"/>
-            <a:ext cx="8520120" cy="763200"/>
+            <a:ext cx="8519760" cy="762840"/>
           </a:xfrm>
           <a:prstGeom prst="rect">
             <a:avLst/>
@@ -2411,18 +2347,16 @@
             <a:noAutofit/>
           </a:bodyPr>
           <a:p>
-            <a:endParaRPr b="0" lang="en-US" sz="1400" spc="-1" strike="noStrike">
-              <a:solidFill>
-                <a:srgbClr val="000000"/>
-              </a:solidFill>
-              <a:latin typeface="Arial"/>
-            </a:endParaRPr>
-          </a:p>
-        </p:txBody>
-      </p:sp>
-      <p:sp>
-        <p:nvSpPr>
-          <p:cNvPr id="70" name="PlaceHolder 2"/>
+            <a:pPr algn="ctr"/>
+            <a:endParaRPr b="0" lang="en-US" sz="4400" spc="-1" strike="noStrike">
+              <a:latin typeface="Arial"/>
+            </a:endParaRPr>
+          </a:p>
+        </p:txBody>
+      </p:sp>
+      <p:sp>
+        <p:nvSpPr>
+          <p:cNvPr id="69" name="PlaceHolder 2"/>
           <p:cNvSpPr>
             <a:spLocks noGrp="1"/>
           </p:cNvSpPr>
@@ -2433,7 +2367,7 @@
         <p:spPr>
           <a:xfrm>
             <a:off x="311760" y="1536480"/>
-            <a:ext cx="4157640" cy="2172240"/>
+            <a:ext cx="4157280" cy="2172240"/>
           </a:xfrm>
           <a:prstGeom prst="rect">
             <a:avLst/>
@@ -2444,18 +2378,15 @@
             <a:normAutofit/>
           </a:bodyPr>
           <a:p>
-            <a:endParaRPr b="0" lang="en-US" sz="1400" spc="-1" strike="noStrike">
-              <a:solidFill>
-                <a:srgbClr val="000000"/>
-              </a:solidFill>
-              <a:latin typeface="Arial"/>
-            </a:endParaRPr>
-          </a:p>
-        </p:txBody>
-      </p:sp>
-      <p:sp>
-        <p:nvSpPr>
-          <p:cNvPr id="71" name="PlaceHolder 3"/>
+            <a:endParaRPr b="0" lang="en-US" sz="3200" spc="-1" strike="noStrike">
+              <a:latin typeface="Arial"/>
+            </a:endParaRPr>
+          </a:p>
+        </p:txBody>
+      </p:sp>
+      <p:sp>
+        <p:nvSpPr>
+          <p:cNvPr id="70" name="PlaceHolder 3"/>
           <p:cNvSpPr>
             <a:spLocks noGrp="1"/>
           </p:cNvSpPr>
@@ -2465,8 +2396,8 @@
         </p:nvSpPr>
         <p:spPr>
           <a:xfrm>
-            <a:off x="4677840" y="1536480"/>
-            <a:ext cx="4157640" cy="4554720"/>
+            <a:off x="4677120" y="1536480"/>
+            <a:ext cx="4157280" cy="4554360"/>
           </a:xfrm>
           <a:prstGeom prst="rect">
             <a:avLst/>
@@ -2477,18 +2408,15 @@
             <a:normAutofit/>
           </a:bodyPr>
           <a:p>
-            <a:endParaRPr b="0" lang="en-US" sz="1400" spc="-1" strike="noStrike">
-              <a:solidFill>
-                <a:srgbClr val="000000"/>
-              </a:solidFill>
-              <a:latin typeface="Arial"/>
-            </a:endParaRPr>
-          </a:p>
-        </p:txBody>
-      </p:sp>
-      <p:sp>
-        <p:nvSpPr>
-          <p:cNvPr id="72" name="PlaceHolder 4"/>
+            <a:endParaRPr b="0" lang="en-US" sz="3200" spc="-1" strike="noStrike">
+              <a:latin typeface="Arial"/>
+            </a:endParaRPr>
+          </a:p>
+        </p:txBody>
+      </p:sp>
+      <p:sp>
+        <p:nvSpPr>
+          <p:cNvPr id="71" name="PlaceHolder 4"/>
           <p:cNvSpPr>
             <a:spLocks noGrp="1"/>
           </p:cNvSpPr>
@@ -2499,7 +2427,7 @@
         <p:spPr>
           <a:xfrm>
             <a:off x="311760" y="3915360"/>
-            <a:ext cx="4157640" cy="2172240"/>
+            <a:ext cx="4157280" cy="2172240"/>
           </a:xfrm>
           <a:prstGeom prst="rect">
             <a:avLst/>
@@ -2510,10 +2438,7 @@
             <a:normAutofit/>
           </a:bodyPr>
           <a:p>
-            <a:endParaRPr b="0" lang="en-US" sz="1400" spc="-1" strike="noStrike">
-              <a:solidFill>
-                <a:srgbClr val="000000"/>
-              </a:solidFill>
+            <a:endParaRPr b="0" lang="en-US" sz="3200" spc="-1" strike="noStrike">
               <a:latin typeface="Arial"/>
             </a:endParaRPr>
           </a:p>
@@ -2554,7 +2479,7 @@
         <p:spPr>
           <a:xfrm>
             <a:off x="311760" y="288720"/>
-            <a:ext cx="8520120" cy="763200"/>
+            <a:ext cx="8519760" cy="762840"/>
           </a:xfrm>
           <a:prstGeom prst="rect">
             <a:avLst/>
@@ -2565,10 +2490,8 @@
             <a:noAutofit/>
           </a:bodyPr>
           <a:p>
-            <a:endParaRPr b="0" lang="en-US" sz="1400" spc="-1" strike="noStrike">
-              <a:solidFill>
-                <a:srgbClr val="000000"/>
-              </a:solidFill>
+            <a:pPr algn="ctr"/>
+            <a:endParaRPr b="0" lang="en-US" sz="4400" spc="-1" strike="noStrike">
               <a:latin typeface="Arial"/>
             </a:endParaRPr>
           </a:p>
@@ -2587,7 +2510,7 @@
         <p:spPr>
           <a:xfrm>
             <a:off x="311760" y="1536480"/>
-            <a:ext cx="8520120" cy="4554720"/>
+            <a:ext cx="8519760" cy="4554360"/>
           </a:xfrm>
           <a:prstGeom prst="rect">
             <a:avLst/>
@@ -2629,7 +2552,7 @@
       </p:grpSpPr>
       <p:sp>
         <p:nvSpPr>
-          <p:cNvPr id="73" name="PlaceHolder 1"/>
+          <p:cNvPr id="72" name="PlaceHolder 1"/>
           <p:cNvSpPr>
             <a:spLocks noGrp="1"/>
           </p:cNvSpPr>
@@ -2640,7 +2563,7 @@
         <p:spPr>
           <a:xfrm>
             <a:off x="311760" y="288720"/>
-            <a:ext cx="8520120" cy="763200"/>
+            <a:ext cx="8519760" cy="762840"/>
           </a:xfrm>
           <a:prstGeom prst="rect">
             <a:avLst/>
@@ -2651,18 +2574,16 @@
             <a:noAutofit/>
           </a:bodyPr>
           <a:p>
-            <a:endParaRPr b="0" lang="en-US" sz="1400" spc="-1" strike="noStrike">
-              <a:solidFill>
-                <a:srgbClr val="000000"/>
-              </a:solidFill>
-              <a:latin typeface="Arial"/>
-            </a:endParaRPr>
-          </a:p>
-        </p:txBody>
-      </p:sp>
-      <p:sp>
-        <p:nvSpPr>
-          <p:cNvPr id="74" name="PlaceHolder 2"/>
+            <a:pPr algn="ctr"/>
+            <a:endParaRPr b="0" lang="en-US" sz="4400" spc="-1" strike="noStrike">
+              <a:latin typeface="Arial"/>
+            </a:endParaRPr>
+          </a:p>
+        </p:txBody>
+      </p:sp>
+      <p:sp>
+        <p:nvSpPr>
+          <p:cNvPr id="73" name="PlaceHolder 2"/>
           <p:cNvSpPr>
             <a:spLocks noGrp="1"/>
           </p:cNvSpPr>
@@ -2673,7 +2594,7 @@
         <p:spPr>
           <a:xfrm>
             <a:off x="311760" y="1536480"/>
-            <a:ext cx="4157640" cy="4554720"/>
+            <a:ext cx="4157280" cy="4554360"/>
           </a:xfrm>
           <a:prstGeom prst="rect">
             <a:avLst/>
@@ -2684,18 +2605,15 @@
             <a:normAutofit/>
           </a:bodyPr>
           <a:p>
-            <a:endParaRPr b="0" lang="en-US" sz="1400" spc="-1" strike="noStrike">
-              <a:solidFill>
-                <a:srgbClr val="000000"/>
-              </a:solidFill>
-              <a:latin typeface="Arial"/>
-            </a:endParaRPr>
-          </a:p>
-        </p:txBody>
-      </p:sp>
-      <p:sp>
-        <p:nvSpPr>
-          <p:cNvPr id="75" name="PlaceHolder 3"/>
+            <a:endParaRPr b="0" lang="en-US" sz="3200" spc="-1" strike="noStrike">
+              <a:latin typeface="Arial"/>
+            </a:endParaRPr>
+          </a:p>
+        </p:txBody>
+      </p:sp>
+      <p:sp>
+        <p:nvSpPr>
+          <p:cNvPr id="74" name="PlaceHolder 3"/>
           <p:cNvSpPr>
             <a:spLocks noGrp="1"/>
           </p:cNvSpPr>
@@ -2705,8 +2623,8 @@
         </p:nvSpPr>
         <p:spPr>
           <a:xfrm>
-            <a:off x="4677840" y="1536480"/>
-            <a:ext cx="4157640" cy="2172240"/>
+            <a:off x="4677120" y="1536480"/>
+            <a:ext cx="4157280" cy="2172240"/>
           </a:xfrm>
           <a:prstGeom prst="rect">
             <a:avLst/>
@@ -2717,18 +2635,15 @@
             <a:normAutofit/>
           </a:bodyPr>
           <a:p>
-            <a:endParaRPr b="0" lang="en-US" sz="1400" spc="-1" strike="noStrike">
-              <a:solidFill>
-                <a:srgbClr val="000000"/>
-              </a:solidFill>
-              <a:latin typeface="Arial"/>
-            </a:endParaRPr>
-          </a:p>
-        </p:txBody>
-      </p:sp>
-      <p:sp>
-        <p:nvSpPr>
-          <p:cNvPr id="76" name="PlaceHolder 4"/>
+            <a:endParaRPr b="0" lang="en-US" sz="3200" spc="-1" strike="noStrike">
+              <a:latin typeface="Arial"/>
+            </a:endParaRPr>
+          </a:p>
+        </p:txBody>
+      </p:sp>
+      <p:sp>
+        <p:nvSpPr>
+          <p:cNvPr id="75" name="PlaceHolder 4"/>
           <p:cNvSpPr>
             <a:spLocks noGrp="1"/>
           </p:cNvSpPr>
@@ -2738,8 +2653,8 @@
         </p:nvSpPr>
         <p:spPr>
           <a:xfrm>
-            <a:off x="4677840" y="3915360"/>
-            <a:ext cx="4157640" cy="2172240"/>
+            <a:off x="4677120" y="3915360"/>
+            <a:ext cx="4157280" cy="2172240"/>
           </a:xfrm>
           <a:prstGeom prst="rect">
             <a:avLst/>
@@ -2750,10 +2665,7 @@
             <a:normAutofit/>
           </a:bodyPr>
           <a:p>
-            <a:endParaRPr b="0" lang="en-US" sz="1400" spc="-1" strike="noStrike">
-              <a:solidFill>
-                <a:srgbClr val="000000"/>
-              </a:solidFill>
+            <a:endParaRPr b="0" lang="en-US" sz="3200" spc="-1" strike="noStrike">
               <a:latin typeface="Arial"/>
             </a:endParaRPr>
           </a:p>
@@ -2783,7 +2695,7 @@
       </p:grpSpPr>
       <p:sp>
         <p:nvSpPr>
-          <p:cNvPr id="77" name="PlaceHolder 1"/>
+          <p:cNvPr id="76" name="PlaceHolder 1"/>
           <p:cNvSpPr>
             <a:spLocks noGrp="1"/>
           </p:cNvSpPr>
@@ -2794,7 +2706,7 @@
         <p:spPr>
           <a:xfrm>
             <a:off x="311760" y="288720"/>
-            <a:ext cx="8520120" cy="763200"/>
+            <a:ext cx="8519760" cy="762840"/>
           </a:xfrm>
           <a:prstGeom prst="rect">
             <a:avLst/>
@@ -2805,18 +2717,16 @@
             <a:noAutofit/>
           </a:bodyPr>
           <a:p>
-            <a:endParaRPr b="0" lang="en-US" sz="1400" spc="-1" strike="noStrike">
-              <a:solidFill>
-                <a:srgbClr val="000000"/>
-              </a:solidFill>
-              <a:latin typeface="Arial"/>
-            </a:endParaRPr>
-          </a:p>
-        </p:txBody>
-      </p:sp>
-      <p:sp>
-        <p:nvSpPr>
-          <p:cNvPr id="78" name="PlaceHolder 2"/>
+            <a:pPr algn="ctr"/>
+            <a:endParaRPr b="0" lang="en-US" sz="4400" spc="-1" strike="noStrike">
+              <a:latin typeface="Arial"/>
+            </a:endParaRPr>
+          </a:p>
+        </p:txBody>
+      </p:sp>
+      <p:sp>
+        <p:nvSpPr>
+          <p:cNvPr id="77" name="PlaceHolder 2"/>
           <p:cNvSpPr>
             <a:spLocks noGrp="1"/>
           </p:cNvSpPr>
@@ -2827,7 +2737,7 @@
         <p:spPr>
           <a:xfrm>
             <a:off x="311760" y="1536480"/>
-            <a:ext cx="4157640" cy="2172240"/>
+            <a:ext cx="4157280" cy="2172240"/>
           </a:xfrm>
           <a:prstGeom prst="rect">
             <a:avLst/>
@@ -2838,18 +2748,15 @@
             <a:normAutofit/>
           </a:bodyPr>
           <a:p>
-            <a:endParaRPr b="0" lang="en-US" sz="1400" spc="-1" strike="noStrike">
-              <a:solidFill>
-                <a:srgbClr val="000000"/>
-              </a:solidFill>
-              <a:latin typeface="Arial"/>
-            </a:endParaRPr>
-          </a:p>
-        </p:txBody>
-      </p:sp>
-      <p:sp>
-        <p:nvSpPr>
-          <p:cNvPr id="79" name="PlaceHolder 3"/>
+            <a:endParaRPr b="0" lang="en-US" sz="3200" spc="-1" strike="noStrike">
+              <a:latin typeface="Arial"/>
+            </a:endParaRPr>
+          </a:p>
+        </p:txBody>
+      </p:sp>
+      <p:sp>
+        <p:nvSpPr>
+          <p:cNvPr id="78" name="PlaceHolder 3"/>
           <p:cNvSpPr>
             <a:spLocks noGrp="1"/>
           </p:cNvSpPr>
@@ -2859,8 +2766,8 @@
         </p:nvSpPr>
         <p:spPr>
           <a:xfrm>
-            <a:off x="4677840" y="1536480"/>
-            <a:ext cx="4157640" cy="2172240"/>
+            <a:off x="4677120" y="1536480"/>
+            <a:ext cx="4157280" cy="2172240"/>
           </a:xfrm>
           <a:prstGeom prst="rect">
             <a:avLst/>
@@ -2871,18 +2778,15 @@
             <a:normAutofit/>
           </a:bodyPr>
           <a:p>
-            <a:endParaRPr b="0" lang="en-US" sz="1400" spc="-1" strike="noStrike">
-              <a:solidFill>
-                <a:srgbClr val="000000"/>
-              </a:solidFill>
-              <a:latin typeface="Arial"/>
-            </a:endParaRPr>
-          </a:p>
-        </p:txBody>
-      </p:sp>
-      <p:sp>
-        <p:nvSpPr>
-          <p:cNvPr id="80" name="PlaceHolder 4"/>
+            <a:endParaRPr b="0" lang="en-US" sz="3200" spc="-1" strike="noStrike">
+              <a:latin typeface="Arial"/>
+            </a:endParaRPr>
+          </a:p>
+        </p:txBody>
+      </p:sp>
+      <p:sp>
+        <p:nvSpPr>
+          <p:cNvPr id="79" name="PlaceHolder 4"/>
           <p:cNvSpPr>
             <a:spLocks noGrp="1"/>
           </p:cNvSpPr>
@@ -2893,7 +2797,7 @@
         <p:spPr>
           <a:xfrm>
             <a:off x="311760" y="3915360"/>
-            <a:ext cx="8520120" cy="2172240"/>
+            <a:ext cx="8519760" cy="2172240"/>
           </a:xfrm>
           <a:prstGeom prst="rect">
             <a:avLst/>
@@ -2904,10 +2808,7 @@
             <a:normAutofit/>
           </a:bodyPr>
           <a:p>
-            <a:endParaRPr b="0" lang="en-US" sz="1400" spc="-1" strike="noStrike">
-              <a:solidFill>
-                <a:srgbClr val="000000"/>
-              </a:solidFill>
+            <a:endParaRPr b="0" lang="en-US" sz="3200" spc="-1" strike="noStrike">
               <a:latin typeface="Arial"/>
             </a:endParaRPr>
           </a:p>
@@ -2937,7 +2838,7 @@
       </p:grpSpPr>
       <p:sp>
         <p:nvSpPr>
-          <p:cNvPr id="81" name="PlaceHolder 1"/>
+          <p:cNvPr id="80" name="PlaceHolder 1"/>
           <p:cNvSpPr>
             <a:spLocks noGrp="1"/>
           </p:cNvSpPr>
@@ -2948,7 +2849,7 @@
         <p:spPr>
           <a:xfrm>
             <a:off x="311760" y="288720"/>
-            <a:ext cx="8520120" cy="763200"/>
+            <a:ext cx="8519760" cy="762840"/>
           </a:xfrm>
           <a:prstGeom prst="rect">
             <a:avLst/>
@@ -2959,18 +2860,16 @@
             <a:noAutofit/>
           </a:bodyPr>
           <a:p>
-            <a:endParaRPr b="0" lang="en-US" sz="1400" spc="-1" strike="noStrike">
-              <a:solidFill>
-                <a:srgbClr val="000000"/>
-              </a:solidFill>
-              <a:latin typeface="Arial"/>
-            </a:endParaRPr>
-          </a:p>
-        </p:txBody>
-      </p:sp>
-      <p:sp>
-        <p:nvSpPr>
-          <p:cNvPr id="82" name="PlaceHolder 2"/>
+            <a:pPr algn="ctr"/>
+            <a:endParaRPr b="0" lang="en-US" sz="4400" spc="-1" strike="noStrike">
+              <a:latin typeface="Arial"/>
+            </a:endParaRPr>
+          </a:p>
+        </p:txBody>
+      </p:sp>
+      <p:sp>
+        <p:nvSpPr>
+          <p:cNvPr id="81" name="PlaceHolder 2"/>
           <p:cNvSpPr>
             <a:spLocks noGrp="1"/>
           </p:cNvSpPr>
@@ -2981,7 +2880,7 @@
         <p:spPr>
           <a:xfrm>
             <a:off x="311760" y="1536480"/>
-            <a:ext cx="8520120" cy="2172240"/>
+            <a:ext cx="8519760" cy="2172240"/>
           </a:xfrm>
           <a:prstGeom prst="rect">
             <a:avLst/>
@@ -2992,18 +2891,15 @@
             <a:normAutofit/>
           </a:bodyPr>
           <a:p>
-            <a:endParaRPr b="0" lang="en-US" sz="1400" spc="-1" strike="noStrike">
-              <a:solidFill>
-                <a:srgbClr val="000000"/>
-              </a:solidFill>
-              <a:latin typeface="Arial"/>
-            </a:endParaRPr>
-          </a:p>
-        </p:txBody>
-      </p:sp>
-      <p:sp>
-        <p:nvSpPr>
-          <p:cNvPr id="83" name="PlaceHolder 3"/>
+            <a:endParaRPr b="0" lang="en-US" sz="3200" spc="-1" strike="noStrike">
+              <a:latin typeface="Arial"/>
+            </a:endParaRPr>
+          </a:p>
+        </p:txBody>
+      </p:sp>
+      <p:sp>
+        <p:nvSpPr>
+          <p:cNvPr id="82" name="PlaceHolder 3"/>
           <p:cNvSpPr>
             <a:spLocks noGrp="1"/>
           </p:cNvSpPr>
@@ -3014,7 +2910,7 @@
         <p:spPr>
           <a:xfrm>
             <a:off x="311760" y="3915360"/>
-            <a:ext cx="8520120" cy="2172240"/>
+            <a:ext cx="8519760" cy="2172240"/>
           </a:xfrm>
           <a:prstGeom prst="rect">
             <a:avLst/>
@@ -3025,10 +2921,7 @@
             <a:normAutofit/>
           </a:bodyPr>
           <a:p>
-            <a:endParaRPr b="0" lang="en-US" sz="1400" spc="-1" strike="noStrike">
-              <a:solidFill>
-                <a:srgbClr val="000000"/>
-              </a:solidFill>
+            <a:endParaRPr b="0" lang="en-US" sz="3200" spc="-1" strike="noStrike">
               <a:latin typeface="Arial"/>
             </a:endParaRPr>
           </a:p>
@@ -3058,7 +2951,7 @@
       </p:grpSpPr>
       <p:sp>
         <p:nvSpPr>
-          <p:cNvPr id="84" name="PlaceHolder 1"/>
+          <p:cNvPr id="83" name="PlaceHolder 1"/>
           <p:cNvSpPr>
             <a:spLocks noGrp="1"/>
           </p:cNvSpPr>
@@ -3069,7 +2962,7 @@
         <p:spPr>
           <a:xfrm>
             <a:off x="311760" y="288720"/>
-            <a:ext cx="8520120" cy="763200"/>
+            <a:ext cx="8519760" cy="762840"/>
           </a:xfrm>
           <a:prstGeom prst="rect">
             <a:avLst/>
@@ -3080,18 +2973,16 @@
             <a:noAutofit/>
           </a:bodyPr>
           <a:p>
-            <a:endParaRPr b="0" lang="en-US" sz="1400" spc="-1" strike="noStrike">
-              <a:solidFill>
-                <a:srgbClr val="000000"/>
-              </a:solidFill>
-              <a:latin typeface="Arial"/>
-            </a:endParaRPr>
-          </a:p>
-        </p:txBody>
-      </p:sp>
-      <p:sp>
-        <p:nvSpPr>
-          <p:cNvPr id="85" name="PlaceHolder 2"/>
+            <a:pPr algn="ctr"/>
+            <a:endParaRPr b="0" lang="en-US" sz="4400" spc="-1" strike="noStrike">
+              <a:latin typeface="Arial"/>
+            </a:endParaRPr>
+          </a:p>
+        </p:txBody>
+      </p:sp>
+      <p:sp>
+        <p:nvSpPr>
+          <p:cNvPr id="84" name="PlaceHolder 2"/>
           <p:cNvSpPr>
             <a:spLocks noGrp="1"/>
           </p:cNvSpPr>
@@ -3102,7 +2993,7 @@
         <p:spPr>
           <a:xfrm>
             <a:off x="311760" y="1536480"/>
-            <a:ext cx="4157640" cy="2172240"/>
+            <a:ext cx="4157280" cy="2172240"/>
           </a:xfrm>
           <a:prstGeom prst="rect">
             <a:avLst/>
@@ -3113,18 +3004,15 @@
             <a:normAutofit/>
           </a:bodyPr>
           <a:p>
-            <a:endParaRPr b="0" lang="en-US" sz="1400" spc="-1" strike="noStrike">
-              <a:solidFill>
-                <a:srgbClr val="000000"/>
-              </a:solidFill>
-              <a:latin typeface="Arial"/>
-            </a:endParaRPr>
-          </a:p>
-        </p:txBody>
-      </p:sp>
-      <p:sp>
-        <p:nvSpPr>
-          <p:cNvPr id="86" name="PlaceHolder 3"/>
+            <a:endParaRPr b="0" lang="en-US" sz="3200" spc="-1" strike="noStrike">
+              <a:latin typeface="Arial"/>
+            </a:endParaRPr>
+          </a:p>
+        </p:txBody>
+      </p:sp>
+      <p:sp>
+        <p:nvSpPr>
+          <p:cNvPr id="85" name="PlaceHolder 3"/>
           <p:cNvSpPr>
             <a:spLocks noGrp="1"/>
           </p:cNvSpPr>
@@ -3134,8 +3022,8 @@
         </p:nvSpPr>
         <p:spPr>
           <a:xfrm>
-            <a:off x="4677840" y="1536480"/>
-            <a:ext cx="4157640" cy="2172240"/>
+            <a:off x="4677120" y="1536480"/>
+            <a:ext cx="4157280" cy="2172240"/>
           </a:xfrm>
           <a:prstGeom prst="rect">
             <a:avLst/>
@@ -3146,18 +3034,15 @@
             <a:normAutofit/>
           </a:bodyPr>
           <a:p>
-            <a:endParaRPr b="0" lang="en-US" sz="1400" spc="-1" strike="noStrike">
-              <a:solidFill>
-                <a:srgbClr val="000000"/>
-              </a:solidFill>
-              <a:latin typeface="Arial"/>
-            </a:endParaRPr>
-          </a:p>
-        </p:txBody>
-      </p:sp>
-      <p:sp>
-        <p:nvSpPr>
-          <p:cNvPr id="87" name="PlaceHolder 4"/>
+            <a:endParaRPr b="0" lang="en-US" sz="3200" spc="-1" strike="noStrike">
+              <a:latin typeface="Arial"/>
+            </a:endParaRPr>
+          </a:p>
+        </p:txBody>
+      </p:sp>
+      <p:sp>
+        <p:nvSpPr>
+          <p:cNvPr id="86" name="PlaceHolder 4"/>
           <p:cNvSpPr>
             <a:spLocks noGrp="1"/>
           </p:cNvSpPr>
@@ -3168,7 +3053,7 @@
         <p:spPr>
           <a:xfrm>
             <a:off x="311760" y="3915360"/>
-            <a:ext cx="4157640" cy="2172240"/>
+            <a:ext cx="4157280" cy="2172240"/>
           </a:xfrm>
           <a:prstGeom prst="rect">
             <a:avLst/>
@@ -3179,18 +3064,15 @@
             <a:normAutofit/>
           </a:bodyPr>
           <a:p>
-            <a:endParaRPr b="0" lang="en-US" sz="1400" spc="-1" strike="noStrike">
-              <a:solidFill>
-                <a:srgbClr val="000000"/>
-              </a:solidFill>
-              <a:latin typeface="Arial"/>
-            </a:endParaRPr>
-          </a:p>
-        </p:txBody>
-      </p:sp>
-      <p:sp>
-        <p:nvSpPr>
-          <p:cNvPr id="88" name="PlaceHolder 5"/>
+            <a:endParaRPr b="0" lang="en-US" sz="3200" spc="-1" strike="noStrike">
+              <a:latin typeface="Arial"/>
+            </a:endParaRPr>
+          </a:p>
+        </p:txBody>
+      </p:sp>
+      <p:sp>
+        <p:nvSpPr>
+          <p:cNvPr id="87" name="PlaceHolder 5"/>
           <p:cNvSpPr>
             <a:spLocks noGrp="1"/>
           </p:cNvSpPr>
@@ -3200,8 +3082,8 @@
         </p:nvSpPr>
         <p:spPr>
           <a:xfrm>
-            <a:off x="4677840" y="3915360"/>
-            <a:ext cx="4157640" cy="2172240"/>
+            <a:off x="4677120" y="3915360"/>
+            <a:ext cx="4157280" cy="2172240"/>
           </a:xfrm>
           <a:prstGeom prst="rect">
             <a:avLst/>
@@ -3212,10 +3094,7 @@
             <a:normAutofit/>
           </a:bodyPr>
           <a:p>
-            <a:endParaRPr b="0" lang="en-US" sz="1400" spc="-1" strike="noStrike">
-              <a:solidFill>
-                <a:srgbClr val="000000"/>
-              </a:solidFill>
+            <a:endParaRPr b="0" lang="en-US" sz="3200" spc="-1" strike="noStrike">
               <a:latin typeface="Arial"/>
             </a:endParaRPr>
           </a:p>
@@ -3245,7 +3124,7 @@
       </p:grpSpPr>
       <p:sp>
         <p:nvSpPr>
-          <p:cNvPr id="89" name="PlaceHolder 1"/>
+          <p:cNvPr id="88" name="PlaceHolder 1"/>
           <p:cNvSpPr>
             <a:spLocks noGrp="1"/>
           </p:cNvSpPr>
@@ -3256,7 +3135,7 @@
         <p:spPr>
           <a:xfrm>
             <a:off x="311760" y="288720"/>
-            <a:ext cx="8520120" cy="763200"/>
+            <a:ext cx="8519760" cy="762840"/>
           </a:xfrm>
           <a:prstGeom prst="rect">
             <a:avLst/>
@@ -3267,18 +3146,16 @@
             <a:noAutofit/>
           </a:bodyPr>
           <a:p>
-            <a:endParaRPr b="0" lang="en-US" sz="1400" spc="-1" strike="noStrike">
-              <a:solidFill>
-                <a:srgbClr val="000000"/>
-              </a:solidFill>
-              <a:latin typeface="Arial"/>
-            </a:endParaRPr>
-          </a:p>
-        </p:txBody>
-      </p:sp>
-      <p:sp>
-        <p:nvSpPr>
-          <p:cNvPr id="90" name="PlaceHolder 2"/>
+            <a:pPr algn="ctr"/>
+            <a:endParaRPr b="0" lang="en-US" sz="4400" spc="-1" strike="noStrike">
+              <a:latin typeface="Arial"/>
+            </a:endParaRPr>
+          </a:p>
+        </p:txBody>
+      </p:sp>
+      <p:sp>
+        <p:nvSpPr>
+          <p:cNvPr id="89" name="PlaceHolder 2"/>
           <p:cNvSpPr>
             <a:spLocks noGrp="1"/>
           </p:cNvSpPr>
@@ -3300,18 +3177,15 @@
             <a:normAutofit/>
           </a:bodyPr>
           <a:p>
-            <a:endParaRPr b="0" lang="en-US" sz="1400" spc="-1" strike="noStrike">
-              <a:solidFill>
-                <a:srgbClr val="000000"/>
-              </a:solidFill>
-              <a:latin typeface="Arial"/>
-            </a:endParaRPr>
-          </a:p>
-        </p:txBody>
-      </p:sp>
-      <p:sp>
-        <p:nvSpPr>
-          <p:cNvPr id="91" name="PlaceHolder 3"/>
+            <a:endParaRPr b="0" lang="en-US" sz="3200" spc="-1" strike="noStrike">
+              <a:latin typeface="Arial"/>
+            </a:endParaRPr>
+          </a:p>
+        </p:txBody>
+      </p:sp>
+      <p:sp>
+        <p:nvSpPr>
+          <p:cNvPr id="90" name="PlaceHolder 3"/>
           <p:cNvSpPr>
             <a:spLocks noGrp="1"/>
           </p:cNvSpPr>
@@ -3333,18 +3207,15 @@
             <a:normAutofit/>
           </a:bodyPr>
           <a:p>
-            <a:endParaRPr b="0" lang="en-US" sz="1400" spc="-1" strike="noStrike">
-              <a:solidFill>
-                <a:srgbClr val="000000"/>
-              </a:solidFill>
-              <a:latin typeface="Arial"/>
-            </a:endParaRPr>
-          </a:p>
-        </p:txBody>
-      </p:sp>
-      <p:sp>
-        <p:nvSpPr>
-          <p:cNvPr id="92" name="PlaceHolder 4"/>
+            <a:endParaRPr b="0" lang="en-US" sz="3200" spc="-1" strike="noStrike">
+              <a:latin typeface="Arial"/>
+            </a:endParaRPr>
+          </a:p>
+        </p:txBody>
+      </p:sp>
+      <p:sp>
+        <p:nvSpPr>
+          <p:cNvPr id="91" name="PlaceHolder 4"/>
           <p:cNvSpPr>
             <a:spLocks noGrp="1"/>
           </p:cNvSpPr>
@@ -3366,18 +3237,15 @@
             <a:normAutofit/>
           </a:bodyPr>
           <a:p>
-            <a:endParaRPr b="0" lang="en-US" sz="1400" spc="-1" strike="noStrike">
-              <a:solidFill>
-                <a:srgbClr val="000000"/>
-              </a:solidFill>
-              <a:latin typeface="Arial"/>
-            </a:endParaRPr>
-          </a:p>
-        </p:txBody>
-      </p:sp>
-      <p:sp>
-        <p:nvSpPr>
-          <p:cNvPr id="93" name="PlaceHolder 5"/>
+            <a:endParaRPr b="0" lang="en-US" sz="3200" spc="-1" strike="noStrike">
+              <a:latin typeface="Arial"/>
+            </a:endParaRPr>
+          </a:p>
+        </p:txBody>
+      </p:sp>
+      <p:sp>
+        <p:nvSpPr>
+          <p:cNvPr id="92" name="PlaceHolder 5"/>
           <p:cNvSpPr>
             <a:spLocks noGrp="1"/>
           </p:cNvSpPr>
@@ -3399,18 +3267,15 @@
             <a:normAutofit/>
           </a:bodyPr>
           <a:p>
-            <a:endParaRPr b="0" lang="en-US" sz="1400" spc="-1" strike="noStrike">
-              <a:solidFill>
-                <a:srgbClr val="000000"/>
-              </a:solidFill>
-              <a:latin typeface="Arial"/>
-            </a:endParaRPr>
-          </a:p>
-        </p:txBody>
-      </p:sp>
-      <p:sp>
-        <p:nvSpPr>
-          <p:cNvPr id="94" name="PlaceHolder 6"/>
+            <a:endParaRPr b="0" lang="en-US" sz="3200" spc="-1" strike="noStrike">
+              <a:latin typeface="Arial"/>
+            </a:endParaRPr>
+          </a:p>
+        </p:txBody>
+      </p:sp>
+      <p:sp>
+        <p:nvSpPr>
+          <p:cNvPr id="93" name="PlaceHolder 6"/>
           <p:cNvSpPr>
             <a:spLocks noGrp="1"/>
           </p:cNvSpPr>
@@ -3432,18 +3297,15 @@
             <a:normAutofit/>
           </a:bodyPr>
           <a:p>
-            <a:endParaRPr b="0" lang="en-US" sz="1400" spc="-1" strike="noStrike">
-              <a:solidFill>
-                <a:srgbClr val="000000"/>
-              </a:solidFill>
-              <a:latin typeface="Arial"/>
-            </a:endParaRPr>
-          </a:p>
-        </p:txBody>
-      </p:sp>
-      <p:sp>
-        <p:nvSpPr>
-          <p:cNvPr id="95" name="PlaceHolder 7"/>
+            <a:endParaRPr b="0" lang="en-US" sz="3200" spc="-1" strike="noStrike">
+              <a:latin typeface="Arial"/>
+            </a:endParaRPr>
+          </a:p>
+        </p:txBody>
+      </p:sp>
+      <p:sp>
+        <p:nvSpPr>
+          <p:cNvPr id="94" name="PlaceHolder 7"/>
           <p:cNvSpPr>
             <a:spLocks noGrp="1"/>
           </p:cNvSpPr>
@@ -3465,10 +3327,7 @@
             <a:normAutofit/>
           </a:bodyPr>
           <a:p>
-            <a:endParaRPr b="0" lang="en-US" sz="1400" spc="-1" strike="noStrike">
-              <a:solidFill>
-                <a:srgbClr val="000000"/>
-              </a:solidFill>
+            <a:endParaRPr b="0" lang="en-US" sz="3200" spc="-1" strike="noStrike">
               <a:latin typeface="Arial"/>
             </a:endParaRPr>
           </a:p>
@@ -3509,7 +3368,7 @@
         <p:spPr>
           <a:xfrm>
             <a:off x="311760" y="288720"/>
-            <a:ext cx="8520120" cy="763200"/>
+            <a:ext cx="8519760" cy="762840"/>
           </a:xfrm>
           <a:prstGeom prst="rect">
             <a:avLst/>
@@ -3520,10 +3379,8 @@
             <a:noAutofit/>
           </a:bodyPr>
           <a:p>
-            <a:endParaRPr b="0" lang="en-US" sz="1400" spc="-1" strike="noStrike">
-              <a:solidFill>
-                <a:srgbClr val="000000"/>
-              </a:solidFill>
+            <a:pPr algn="ctr"/>
+            <a:endParaRPr b="0" lang="en-US" sz="4400" spc="-1" strike="noStrike">
               <a:latin typeface="Arial"/>
             </a:endParaRPr>
           </a:p>
@@ -3542,7 +3399,7 @@
         <p:spPr>
           <a:xfrm>
             <a:off x="311760" y="1536480"/>
-            <a:ext cx="8520120" cy="4554720"/>
+            <a:ext cx="8519760" cy="4554360"/>
           </a:xfrm>
           <a:prstGeom prst="rect">
             <a:avLst/>
@@ -3553,10 +3410,7 @@
             <a:normAutofit/>
           </a:bodyPr>
           <a:p>
-            <a:endParaRPr b="0" lang="en-US" sz="1400" spc="-1" strike="noStrike">
-              <a:solidFill>
-                <a:srgbClr val="000000"/>
-              </a:solidFill>
+            <a:endParaRPr b="0" lang="en-US" sz="3200" spc="-1" strike="noStrike">
               <a:latin typeface="Arial"/>
             </a:endParaRPr>
           </a:p>
@@ -3597,7 +3451,7 @@
         <p:spPr>
           <a:xfrm>
             <a:off x="311760" y="288720"/>
-            <a:ext cx="8520120" cy="763200"/>
+            <a:ext cx="8519760" cy="762840"/>
           </a:xfrm>
           <a:prstGeom prst="rect">
             <a:avLst/>
@@ -3608,10 +3462,8 @@
             <a:noAutofit/>
           </a:bodyPr>
           <a:p>
-            <a:endParaRPr b="0" lang="en-US" sz="1400" spc="-1" strike="noStrike">
-              <a:solidFill>
-                <a:srgbClr val="000000"/>
-              </a:solidFill>
+            <a:pPr algn="ctr"/>
+            <a:endParaRPr b="0" lang="en-US" sz="4400" spc="-1" strike="noStrike">
               <a:latin typeface="Arial"/>
             </a:endParaRPr>
           </a:p>
@@ -3630,7 +3482,7 @@
         <p:spPr>
           <a:xfrm>
             <a:off x="311760" y="1536480"/>
-            <a:ext cx="4157640" cy="4554720"/>
+            <a:ext cx="4157280" cy="4554360"/>
           </a:xfrm>
           <a:prstGeom prst="rect">
             <a:avLst/>
@@ -3641,10 +3493,7 @@
             <a:normAutofit/>
           </a:bodyPr>
           <a:p>
-            <a:endParaRPr b="0" lang="en-US" sz="1400" spc="-1" strike="noStrike">
-              <a:solidFill>
-                <a:srgbClr val="000000"/>
-              </a:solidFill>
+            <a:endParaRPr b="0" lang="en-US" sz="3200" spc="-1" strike="noStrike">
               <a:latin typeface="Arial"/>
             </a:endParaRPr>
           </a:p>
@@ -3662,8 +3511,8 @@
         </p:nvSpPr>
         <p:spPr>
           <a:xfrm>
-            <a:off x="4677840" y="1536480"/>
-            <a:ext cx="4157640" cy="4554720"/>
+            <a:off x="4677120" y="1536480"/>
+            <a:ext cx="4157280" cy="4554360"/>
           </a:xfrm>
           <a:prstGeom prst="rect">
             <a:avLst/>
@@ -3674,10 +3523,7 @@
             <a:normAutofit/>
           </a:bodyPr>
           <a:p>
-            <a:endParaRPr b="0" lang="en-US" sz="1400" spc="-1" strike="noStrike">
-              <a:solidFill>
-                <a:srgbClr val="000000"/>
-              </a:solidFill>
+            <a:endParaRPr b="0" lang="en-US" sz="3200" spc="-1" strike="noStrike">
               <a:latin typeface="Arial"/>
             </a:endParaRPr>
           </a:p>
@@ -3718,7 +3564,7 @@
         <p:spPr>
           <a:xfrm>
             <a:off x="311760" y="288720"/>
-            <a:ext cx="8520120" cy="763200"/>
+            <a:ext cx="8519760" cy="762840"/>
           </a:xfrm>
           <a:prstGeom prst="rect">
             <a:avLst/>
@@ -3729,10 +3575,8 @@
             <a:noAutofit/>
           </a:bodyPr>
           <a:p>
-            <a:endParaRPr b="0" lang="en-US" sz="1400" spc="-1" strike="noStrike">
-              <a:solidFill>
-                <a:srgbClr val="000000"/>
-              </a:solidFill>
+            <a:pPr algn="ctr"/>
+            <a:endParaRPr b="0" lang="en-US" sz="4400" spc="-1" strike="noStrike">
               <a:latin typeface="Arial"/>
             </a:endParaRPr>
           </a:p>
@@ -3773,7 +3617,7 @@
         <p:spPr>
           <a:xfrm>
             <a:off x="311760" y="288720"/>
-            <a:ext cx="8520120" cy="3539160"/>
+            <a:ext cx="8519760" cy="3537360"/>
           </a:xfrm>
           <a:prstGeom prst="rect">
             <a:avLst/>
@@ -3826,7 +3670,7 @@
         <p:spPr>
           <a:xfrm>
             <a:off x="311760" y="288720"/>
-            <a:ext cx="8520120" cy="763200"/>
+            <a:ext cx="8519760" cy="762840"/>
           </a:xfrm>
           <a:prstGeom prst="rect">
             <a:avLst/>
@@ -3837,10 +3681,8 @@
             <a:noAutofit/>
           </a:bodyPr>
           <a:p>
-            <a:endParaRPr b="0" lang="en-US" sz="1400" spc="-1" strike="noStrike">
-              <a:solidFill>
-                <a:srgbClr val="000000"/>
-              </a:solidFill>
+            <a:pPr algn="ctr"/>
+            <a:endParaRPr b="0" lang="en-US" sz="4400" spc="-1" strike="noStrike">
               <a:latin typeface="Arial"/>
             </a:endParaRPr>
           </a:p>
@@ -3859,7 +3701,7 @@
         <p:spPr>
           <a:xfrm>
             <a:off x="311760" y="1536480"/>
-            <a:ext cx="4157640" cy="2172240"/>
+            <a:ext cx="4157280" cy="2172240"/>
           </a:xfrm>
           <a:prstGeom prst="rect">
             <a:avLst/>
@@ -3870,10 +3712,7 @@
             <a:normAutofit/>
           </a:bodyPr>
           <a:p>
-            <a:endParaRPr b="0" lang="en-US" sz="1400" spc="-1" strike="noStrike">
-              <a:solidFill>
-                <a:srgbClr val="000000"/>
-              </a:solidFill>
+            <a:endParaRPr b="0" lang="en-US" sz="3200" spc="-1" strike="noStrike">
               <a:latin typeface="Arial"/>
             </a:endParaRPr>
           </a:p>
@@ -3891,8 +3730,8 @@
         </p:nvSpPr>
         <p:spPr>
           <a:xfrm>
-            <a:off x="4677840" y="1536480"/>
-            <a:ext cx="4157640" cy="4554720"/>
+            <a:off x="4677120" y="1536480"/>
+            <a:ext cx="4157280" cy="4554360"/>
           </a:xfrm>
           <a:prstGeom prst="rect">
             <a:avLst/>
@@ -3903,10 +3742,7 @@
             <a:normAutofit/>
           </a:bodyPr>
           <a:p>
-            <a:endParaRPr b="0" lang="en-US" sz="1400" spc="-1" strike="noStrike">
-              <a:solidFill>
-                <a:srgbClr val="000000"/>
-              </a:solidFill>
+            <a:endParaRPr b="0" lang="en-US" sz="3200" spc="-1" strike="noStrike">
               <a:latin typeface="Arial"/>
             </a:endParaRPr>
           </a:p>
@@ -3925,7 +3761,7 @@
         <p:spPr>
           <a:xfrm>
             <a:off x="311760" y="3915360"/>
-            <a:ext cx="4157640" cy="2172240"/>
+            <a:ext cx="4157280" cy="2172240"/>
           </a:xfrm>
           <a:prstGeom prst="rect">
             <a:avLst/>
@@ -3936,10 +3772,7 @@
             <a:normAutofit/>
           </a:bodyPr>
           <a:p>
-            <a:endParaRPr b="0" lang="en-US" sz="1400" spc="-1" strike="noStrike">
-              <a:solidFill>
-                <a:srgbClr val="000000"/>
-              </a:solidFill>
+            <a:endParaRPr b="0" lang="en-US" sz="3200" spc="-1" strike="noStrike">
               <a:latin typeface="Arial"/>
             </a:endParaRPr>
           </a:p>
@@ -3980,7 +3813,7 @@
         <p:spPr>
           <a:xfrm>
             <a:off x="311760" y="288720"/>
-            <a:ext cx="8520120" cy="763200"/>
+            <a:ext cx="8519760" cy="762840"/>
           </a:xfrm>
           <a:prstGeom prst="rect">
             <a:avLst/>
@@ -3991,10 +3824,8 @@
             <a:noAutofit/>
           </a:bodyPr>
           <a:p>
-            <a:endParaRPr b="0" lang="en-US" sz="1400" spc="-1" strike="noStrike">
-              <a:solidFill>
-                <a:srgbClr val="000000"/>
-              </a:solidFill>
+            <a:pPr algn="ctr"/>
+            <a:endParaRPr b="0" lang="en-US" sz="4400" spc="-1" strike="noStrike">
               <a:latin typeface="Arial"/>
             </a:endParaRPr>
           </a:p>
@@ -4013,7 +3844,7 @@
         <p:spPr>
           <a:xfrm>
             <a:off x="311760" y="1536480"/>
-            <a:ext cx="4157640" cy="4554720"/>
+            <a:ext cx="4157280" cy="4554360"/>
           </a:xfrm>
           <a:prstGeom prst="rect">
             <a:avLst/>
@@ -4024,10 +3855,7 @@
             <a:normAutofit/>
           </a:bodyPr>
           <a:p>
-            <a:endParaRPr b="0" lang="en-US" sz="1400" spc="-1" strike="noStrike">
-              <a:solidFill>
-                <a:srgbClr val="000000"/>
-              </a:solidFill>
+            <a:endParaRPr b="0" lang="en-US" sz="3200" spc="-1" strike="noStrike">
               <a:latin typeface="Arial"/>
             </a:endParaRPr>
           </a:p>
@@ -4045,8 +3873,8 @@
         </p:nvSpPr>
         <p:spPr>
           <a:xfrm>
-            <a:off x="4677840" y="1536480"/>
-            <a:ext cx="4157640" cy="2172240"/>
+            <a:off x="4677120" y="1536480"/>
+            <a:ext cx="4157280" cy="2172240"/>
           </a:xfrm>
           <a:prstGeom prst="rect">
             <a:avLst/>
@@ -4057,10 +3885,7 @@
             <a:normAutofit/>
           </a:bodyPr>
           <a:p>
-            <a:endParaRPr b="0" lang="en-US" sz="1400" spc="-1" strike="noStrike">
-              <a:solidFill>
-                <a:srgbClr val="000000"/>
-              </a:solidFill>
+            <a:endParaRPr b="0" lang="en-US" sz="3200" spc="-1" strike="noStrike">
               <a:latin typeface="Arial"/>
             </a:endParaRPr>
           </a:p>
@@ -4078,8 +3903,8 @@
         </p:nvSpPr>
         <p:spPr>
           <a:xfrm>
-            <a:off x="4677840" y="3915360"/>
-            <a:ext cx="4157640" cy="2172240"/>
+            <a:off x="4677120" y="3915360"/>
+            <a:ext cx="4157280" cy="2172240"/>
           </a:xfrm>
           <a:prstGeom prst="rect">
             <a:avLst/>
@@ -4090,10 +3915,7 @@
             <a:normAutofit/>
           </a:bodyPr>
           <a:p>
-            <a:endParaRPr b="0" lang="en-US" sz="1400" spc="-1" strike="noStrike">
-              <a:solidFill>
-                <a:srgbClr val="000000"/>
-              </a:solidFill>
+            <a:endParaRPr b="0" lang="en-US" sz="3200" spc="-1" strike="noStrike">
               <a:latin typeface="Arial"/>
             </a:endParaRPr>
           </a:p>
@@ -4134,7 +3956,7 @@
         <p:spPr>
           <a:xfrm>
             <a:off x="311760" y="288720"/>
-            <a:ext cx="8520120" cy="763200"/>
+            <a:ext cx="8519760" cy="762840"/>
           </a:xfrm>
           <a:prstGeom prst="rect">
             <a:avLst/>
@@ -4145,10 +3967,8 @@
             <a:noAutofit/>
           </a:bodyPr>
           <a:p>
-            <a:endParaRPr b="0" lang="en-US" sz="1400" spc="-1" strike="noStrike">
-              <a:solidFill>
-                <a:srgbClr val="000000"/>
-              </a:solidFill>
+            <a:pPr algn="ctr"/>
+            <a:endParaRPr b="0" lang="en-US" sz="4400" spc="-1" strike="noStrike">
               <a:latin typeface="Arial"/>
             </a:endParaRPr>
           </a:p>
@@ -4167,7 +3987,7 @@
         <p:spPr>
           <a:xfrm>
             <a:off x="311760" y="1536480"/>
-            <a:ext cx="4157640" cy="2172240"/>
+            <a:ext cx="4157280" cy="2172240"/>
           </a:xfrm>
           <a:prstGeom prst="rect">
             <a:avLst/>
@@ -4178,10 +3998,7 @@
             <a:normAutofit/>
           </a:bodyPr>
           <a:p>
-            <a:endParaRPr b="0" lang="en-US" sz="1400" spc="-1" strike="noStrike">
-              <a:solidFill>
-                <a:srgbClr val="000000"/>
-              </a:solidFill>
+            <a:endParaRPr b="0" lang="en-US" sz="3200" spc="-1" strike="noStrike">
               <a:latin typeface="Arial"/>
             </a:endParaRPr>
           </a:p>
@@ -4199,8 +4016,8 @@
         </p:nvSpPr>
         <p:spPr>
           <a:xfrm>
-            <a:off x="4677840" y="1536480"/>
-            <a:ext cx="4157640" cy="2172240"/>
+            <a:off x="4677120" y="1536480"/>
+            <a:ext cx="4157280" cy="2172240"/>
           </a:xfrm>
           <a:prstGeom prst="rect">
             <a:avLst/>
@@ -4211,10 +4028,7 @@
             <a:normAutofit/>
           </a:bodyPr>
           <a:p>
-            <a:endParaRPr b="0" lang="en-US" sz="1400" spc="-1" strike="noStrike">
-              <a:solidFill>
-                <a:srgbClr val="000000"/>
-              </a:solidFill>
+            <a:endParaRPr b="0" lang="en-US" sz="3200" spc="-1" strike="noStrike">
               <a:latin typeface="Arial"/>
             </a:endParaRPr>
           </a:p>
@@ -4233,7 +4047,7 @@
         <p:spPr>
           <a:xfrm>
             <a:off x="311760" y="3915360"/>
-            <a:ext cx="8520120" cy="2172240"/>
+            <a:ext cx="8519760" cy="2172240"/>
           </a:xfrm>
           <a:prstGeom prst="rect">
             <a:avLst/>
@@ -4244,10 +4058,7 @@
             <a:normAutofit/>
           </a:bodyPr>
           <a:p>
-            <a:endParaRPr b="0" lang="en-US" sz="1400" spc="-1" strike="noStrike">
-              <a:solidFill>
-                <a:srgbClr val="000000"/>
-              </a:solidFill>
+            <a:endParaRPr b="0" lang="en-US" sz="3200" spc="-1" strike="noStrike">
               <a:latin typeface="Arial"/>
             </a:endParaRPr>
           </a:p>
@@ -4291,7 +4102,7 @@
         <p:spPr>
           <a:xfrm>
             <a:off x="0" y="0"/>
-            <a:ext cx="9143640" cy="1228320"/>
+            <a:ext cx="9143280" cy="1227960"/>
           </a:xfrm>
           <a:prstGeom prst="rect">
             <a:avLst/>
@@ -4319,9 +4130,9 @@
         <p:grpSpPr>
           <a:xfrm>
             <a:off x="7534440" y="-10080"/>
-            <a:ext cx="1679400" cy="1190520"/>
+            <a:ext cx="1679040" cy="1190160"/>
             <a:chOff x="7534440" y="-10080"/>
-            <a:chExt cx="1679400" cy="1190520"/>
+            <a:chExt cx="1679040" cy="1190160"/>
           </a:xfrm>
         </p:grpSpPr>
         <p:pic>
@@ -4337,7 +4148,7 @@
           <p:spPr>
             <a:xfrm>
               <a:off x="7881480" y="-10080"/>
-              <a:ext cx="984960" cy="966240"/>
+              <a:ext cx="984600" cy="965880"/>
             </a:xfrm>
             <a:prstGeom prst="rect">
               <a:avLst/>
@@ -4356,7 +4167,7 @@
           <p:spPr>
             <a:xfrm>
               <a:off x="7534440" y="914040"/>
-              <a:ext cx="1679400" cy="266400"/>
+              <a:ext cx="1679040" cy="266040"/>
             </a:xfrm>
             <a:prstGeom prst="rect">
               <a:avLst/>
@@ -4412,7 +4223,7 @@
         <p:spPr>
           <a:xfrm>
             <a:off x="4371480" y="1746360"/>
-            <a:ext cx="4739760" cy="3757320"/>
+            <a:ext cx="4739400" cy="3756960"/>
           </a:xfrm>
           <a:prstGeom prst="rect">
             <a:avLst/>
@@ -4422,52 +4233,9 @@
           </a:ln>
         </p:spPr>
       </p:pic>
-      <p:sp>
-        <p:nvSpPr>
-          <p:cNvPr id="5" name="PlaceHolder 4"/>
-          <p:cNvSpPr>
-            <a:spLocks noGrp="1"/>
-          </p:cNvSpPr>
-          <p:nvPr>
-            <p:ph type="title"/>
-          </p:nvPr>
-        </p:nvSpPr>
-        <p:spPr>
-          <a:xfrm>
-            <a:off x="311760" y="992880"/>
-            <a:ext cx="7256520" cy="2736720"/>
-          </a:xfrm>
-          <a:prstGeom prst="rect">
-            <a:avLst/>
-          </a:prstGeom>
-        </p:spPr>
-        <p:txBody>
-          <a:bodyPr tIns="91440" bIns="91440" anchor="b">
-            <a:noAutofit/>
-          </a:bodyPr>
-          <a:p>
-            <a:pPr algn="ctr"/>
-            <a:r>
-              <a:rPr b="0" lang="en-US" sz="5200" spc="-1" strike="noStrike">
-                <a:solidFill>
-                  <a:srgbClr val="000000"/>
-                </a:solidFill>
-                <a:latin typeface="Arial"/>
-              </a:rPr>
-              <a:t>Click to edit the title text format</a:t>
-            </a:r>
-            <a:endParaRPr b="0" lang="en-US" sz="5200" spc="-1" strike="noStrike">
-              <a:solidFill>
-                <a:srgbClr val="000000"/>
-              </a:solidFill>
-              <a:latin typeface="Arial"/>
-            </a:endParaRPr>
-          </a:p>
-        </p:txBody>
-      </p:sp>
       <p:pic>
         <p:nvPicPr>
-          <p:cNvPr id="6" name="Google Shape;62;p14" descr=""/>
+          <p:cNvPr id="5" name="Google Shape;62;p14" descr=""/>
           <p:cNvPicPr/>
           <p:nvPr/>
         </p:nvPicPr>
@@ -4478,7 +4246,7 @@
         <p:spPr>
           <a:xfrm>
             <a:off x="397440" y="136800"/>
-            <a:ext cx="5381280" cy="885600"/>
+            <a:ext cx="5380920" cy="885240"/>
           </a:xfrm>
           <a:prstGeom prst="rect">
             <a:avLst/>
@@ -4490,28 +4258,28 @@
       </p:pic>
       <p:grpSp>
         <p:nvGrpSpPr>
-          <p:cNvPr id="7" name="Group 5"/>
+          <p:cNvPr id="6" name="Group 4"/>
           <p:cNvGrpSpPr/>
           <p:nvPr/>
         </p:nvGrpSpPr>
         <p:grpSpPr>
           <a:xfrm>
             <a:off x="402840" y="5861880"/>
-            <a:ext cx="8304840" cy="792360"/>
+            <a:ext cx="8304480" cy="792000"/>
             <a:chOff x="402840" y="5861880"/>
-            <a:chExt cx="8304840" cy="792360"/>
+            <a:chExt cx="8304480" cy="792000"/>
           </a:xfrm>
         </p:grpSpPr>
         <p:sp>
           <p:nvSpPr>
-            <p:cNvPr id="8" name="CustomShape 6"/>
+            <p:cNvPr id="7" name="CustomShape 5"/>
             <p:cNvSpPr/>
             <p:nvPr/>
           </p:nvSpPr>
           <p:spPr>
             <a:xfrm>
               <a:off x="402840" y="5861880"/>
-              <a:ext cx="8304840" cy="792360"/>
+              <a:ext cx="8304480" cy="792000"/>
             </a:xfrm>
             <a:prstGeom prst="rect">
               <a:avLst/>
@@ -4539,7 +4307,7 @@
         </p:sp>
         <p:pic>
           <p:nvPicPr>
-            <p:cNvPr id="9" name="Google Shape;65;p14" descr=""/>
+            <p:cNvPr id="8" name="Google Shape;65;p14" descr=""/>
             <p:cNvPicPr/>
             <p:nvPr/>
           </p:nvPicPr>
@@ -4550,7 +4318,7 @@
           <p:spPr>
             <a:xfrm>
               <a:off x="463320" y="6063120"/>
-              <a:ext cx="1278000" cy="389160"/>
+              <a:ext cx="1277640" cy="388800"/>
             </a:xfrm>
             <a:prstGeom prst="rect">
               <a:avLst/>
@@ -4562,7 +4330,7 @@
         </p:pic>
         <p:pic>
           <p:nvPicPr>
-            <p:cNvPr id="10" name="Google Shape;66;p14" descr=""/>
+            <p:cNvPr id="9" name="Google Shape;66;p14" descr=""/>
             <p:cNvPicPr/>
             <p:nvPr/>
           </p:nvPicPr>
@@ -4573,7 +4341,7 @@
           <p:spPr>
             <a:xfrm>
               <a:off x="1786320" y="6068160"/>
-              <a:ext cx="1278000" cy="389160"/>
+              <a:ext cx="1277640" cy="388800"/>
             </a:xfrm>
             <a:prstGeom prst="rect">
               <a:avLst/>
@@ -4585,7 +4353,7 @@
         </p:pic>
         <p:pic>
           <p:nvPicPr>
-            <p:cNvPr id="11" name="Google Shape;67;p14" descr=""/>
+            <p:cNvPr id="10" name="Google Shape;67;p14" descr=""/>
             <p:cNvPicPr/>
             <p:nvPr/>
           </p:nvPicPr>
@@ -4596,7 +4364,7 @@
           <p:spPr>
             <a:xfrm>
               <a:off x="3109320" y="6068160"/>
-              <a:ext cx="821880" cy="389160"/>
+              <a:ext cx="821520" cy="388800"/>
             </a:xfrm>
             <a:prstGeom prst="rect">
               <a:avLst/>
@@ -4608,7 +4376,7 @@
         </p:pic>
         <p:pic>
           <p:nvPicPr>
-            <p:cNvPr id="12" name="Google Shape;68;p14" descr=""/>
+            <p:cNvPr id="11" name="Google Shape;68;p14" descr=""/>
             <p:cNvPicPr/>
             <p:nvPr/>
           </p:nvPicPr>
@@ -4619,7 +4387,7 @@
           <p:spPr>
             <a:xfrm>
               <a:off x="3970800" y="5943240"/>
-              <a:ext cx="665640" cy="639000"/>
+              <a:ext cx="665280" cy="638640"/>
             </a:xfrm>
             <a:prstGeom prst="rect">
               <a:avLst/>
@@ -4631,7 +4399,7 @@
         </p:pic>
         <p:pic>
           <p:nvPicPr>
-            <p:cNvPr id="13" name="Google Shape;69;p14" descr=""/>
+            <p:cNvPr id="12" name="Google Shape;69;p14" descr=""/>
             <p:cNvPicPr/>
             <p:nvPr/>
           </p:nvPicPr>
@@ -4642,7 +4410,7 @@
           <p:spPr>
             <a:xfrm>
               <a:off x="4676400" y="6063120"/>
-              <a:ext cx="821880" cy="399600"/>
+              <a:ext cx="821520" cy="399240"/>
             </a:xfrm>
             <a:prstGeom prst="rect">
               <a:avLst/>
@@ -4654,7 +4422,7 @@
         </p:pic>
         <p:pic>
           <p:nvPicPr>
-            <p:cNvPr id="14" name="Google Shape;70;p14" descr=""/>
+            <p:cNvPr id="13" name="Google Shape;70;p14" descr=""/>
             <p:cNvPicPr/>
             <p:nvPr/>
           </p:nvPicPr>
@@ -4665,7 +4433,7 @@
           <p:spPr>
             <a:xfrm>
               <a:off x="5537880" y="6068160"/>
-              <a:ext cx="1720440" cy="389160"/>
+              <a:ext cx="1720080" cy="388800"/>
             </a:xfrm>
             <a:prstGeom prst="rect">
               <a:avLst/>
@@ -4677,7 +4445,7 @@
         </p:pic>
         <p:pic>
           <p:nvPicPr>
-            <p:cNvPr id="15" name="Google Shape;71;p14" descr=""/>
+            <p:cNvPr id="14" name="Google Shape;71;p14" descr=""/>
             <p:cNvPicPr/>
             <p:nvPr/>
           </p:nvPicPr>
@@ -4688,7 +4456,7 @@
           <p:spPr>
             <a:xfrm>
               <a:off x="7298280" y="6063120"/>
-              <a:ext cx="1311840" cy="399600"/>
+              <a:ext cx="1311480" cy="399240"/>
             </a:xfrm>
             <a:prstGeom prst="rect">
               <a:avLst/>
@@ -4701,6 +4469,43 @@
       </p:grpSp>
       <p:sp>
         <p:nvSpPr>
+          <p:cNvPr id="15" name="PlaceHolder 6"/>
+          <p:cNvSpPr>
+            <a:spLocks noGrp="1"/>
+          </p:cNvSpPr>
+          <p:nvPr>
+            <p:ph type="title"/>
+          </p:nvPr>
+        </p:nvSpPr>
+        <p:spPr>
+          <a:xfrm>
+            <a:off x="311760" y="288720"/>
+            <a:ext cx="8519760" cy="762840"/>
+          </a:xfrm>
+          <a:prstGeom prst="rect">
+            <a:avLst/>
+          </a:prstGeom>
+        </p:spPr>
+        <p:txBody>
+          <a:bodyPr lIns="0" rIns="0" tIns="0" bIns="0" anchor="ctr">
+            <a:noAutofit/>
+          </a:bodyPr>
+          <a:p>
+            <a:pPr algn="ctr"/>
+            <a:r>
+              <a:rPr b="0" lang="en-US" sz="1800" spc="-1" strike="noStrike">
+                <a:latin typeface="Arial"/>
+              </a:rPr>
+              <a:t>Click to edit the title text format</a:t>
+            </a:r>
+            <a:endParaRPr b="0" lang="en-US" sz="1800" spc="-1" strike="noStrike">
+              <a:latin typeface="Arial"/>
+            </a:endParaRPr>
+          </a:p>
+        </p:txBody>
+      </p:sp>
+      <p:sp>
+        <p:nvSpPr>
           <p:cNvPr id="16" name="PlaceHolder 7"/>
           <p:cNvSpPr>
             <a:spLocks noGrp="1"/>
@@ -4735,18 +4540,12 @@
               <a:buChar char=""/>
             </a:pPr>
             <a:r>
-              <a:rPr b="0" lang="en-US" sz="1400" spc="-1" strike="noStrike">
-                <a:solidFill>
-                  <a:srgbClr val="000000"/>
-                </a:solidFill>
+              <a:rPr b="0" lang="en-US" sz="3200" spc="-1" strike="noStrike">
                 <a:latin typeface="Arial"/>
               </a:rPr>
               <a:t>Click to edit the outline text format</a:t>
             </a:r>
-            <a:endParaRPr b="0" lang="en-US" sz="1400" spc="-1" strike="noStrike">
-              <a:solidFill>
-                <a:srgbClr val="000000"/>
-              </a:solidFill>
+            <a:endParaRPr b="0" lang="en-US" sz="3200" spc="-1" strike="noStrike">
               <a:latin typeface="Arial"/>
             </a:endParaRPr>
           </a:p>
@@ -4763,18 +4562,12 @@
               <a:buChar char=""/>
             </a:pPr>
             <a:r>
-              <a:rPr b="0" lang="en-US" sz="1400" spc="-1" strike="noStrike">
-                <a:solidFill>
-                  <a:srgbClr val="000000"/>
-                </a:solidFill>
+              <a:rPr b="0" lang="en-US" sz="2800" spc="-1" strike="noStrike">
                 <a:latin typeface="Arial"/>
               </a:rPr>
               <a:t>Second Outline Level</a:t>
             </a:r>
-            <a:endParaRPr b="0" lang="en-US" sz="1400" spc="-1" strike="noStrike">
-              <a:solidFill>
-                <a:srgbClr val="000000"/>
-              </a:solidFill>
+            <a:endParaRPr b="0" lang="en-US" sz="2800" spc="-1" strike="noStrike">
               <a:latin typeface="Arial"/>
             </a:endParaRPr>
           </a:p>
@@ -4791,18 +4584,12 @@
               <a:buChar char=""/>
             </a:pPr>
             <a:r>
-              <a:rPr b="0" lang="en-US" sz="1400" spc="-1" strike="noStrike">
-                <a:solidFill>
-                  <a:srgbClr val="000000"/>
-                </a:solidFill>
+              <a:rPr b="0" lang="en-US" sz="2400" spc="-1" strike="noStrike">
                 <a:latin typeface="Arial"/>
               </a:rPr>
               <a:t>Third Outline Level</a:t>
             </a:r>
-            <a:endParaRPr b="0" lang="en-US" sz="1400" spc="-1" strike="noStrike">
-              <a:solidFill>
-                <a:srgbClr val="000000"/>
-              </a:solidFill>
+            <a:endParaRPr b="0" lang="en-US" sz="2400" spc="-1" strike="noStrike">
               <a:latin typeface="Arial"/>
             </a:endParaRPr>
           </a:p>
@@ -4819,18 +4606,12 @@
               <a:buChar char=""/>
             </a:pPr>
             <a:r>
-              <a:rPr b="0" lang="en-US" sz="1400" spc="-1" strike="noStrike">
-                <a:solidFill>
-                  <a:srgbClr val="000000"/>
-                </a:solidFill>
+              <a:rPr b="0" lang="en-US" sz="2000" spc="-1" strike="noStrike">
                 <a:latin typeface="Arial"/>
               </a:rPr>
               <a:t>Fourth Outline Level</a:t>
             </a:r>
-            <a:endParaRPr b="0" lang="en-US" sz="1400" spc="-1" strike="noStrike">
-              <a:solidFill>
-                <a:srgbClr val="000000"/>
-              </a:solidFill>
+            <a:endParaRPr b="0" lang="en-US" sz="2000" spc="-1" strike="noStrike">
               <a:latin typeface="Arial"/>
             </a:endParaRPr>
           </a:p>
@@ -4848,17 +4629,11 @@
             </a:pPr>
             <a:r>
               <a:rPr b="0" lang="en-US" sz="2000" spc="-1" strike="noStrike">
-                <a:solidFill>
-                  <a:srgbClr val="000000"/>
-                </a:solidFill>
                 <a:latin typeface="Arial"/>
               </a:rPr>
               <a:t>Fifth Outline Level</a:t>
             </a:r>
             <a:endParaRPr b="0" lang="en-US" sz="2000" spc="-1" strike="noStrike">
-              <a:solidFill>
-                <a:srgbClr val="000000"/>
-              </a:solidFill>
               <a:latin typeface="Arial"/>
             </a:endParaRPr>
           </a:p>
@@ -4876,17 +4651,11 @@
             </a:pPr>
             <a:r>
               <a:rPr b="0" lang="en-US" sz="2000" spc="-1" strike="noStrike">
-                <a:solidFill>
-                  <a:srgbClr val="000000"/>
-                </a:solidFill>
                 <a:latin typeface="Arial"/>
               </a:rPr>
               <a:t>Sixth Outline Level</a:t>
             </a:r>
             <a:endParaRPr b="0" lang="en-US" sz="2000" spc="-1" strike="noStrike">
-              <a:solidFill>
-                <a:srgbClr val="000000"/>
-              </a:solidFill>
               <a:latin typeface="Arial"/>
             </a:endParaRPr>
           </a:p>
@@ -4904,17 +4673,11 @@
             </a:pPr>
             <a:r>
               <a:rPr b="0" lang="en-US" sz="2000" spc="-1" strike="noStrike">
-                <a:solidFill>
-                  <a:srgbClr val="000000"/>
-                </a:solidFill>
                 <a:latin typeface="Arial"/>
               </a:rPr>
               <a:t>Seventh Outline Level</a:t>
             </a:r>
             <a:endParaRPr b="0" lang="en-US" sz="2000" spc="-1" strike="noStrike">
-              <a:solidFill>
-                <a:srgbClr val="000000"/>
-              </a:solidFill>
               <a:latin typeface="Arial"/>
             </a:endParaRPr>
           </a:p>
@@ -4973,7 +4736,7 @@
         <p:spPr>
           <a:xfrm>
             <a:off x="0" y="0"/>
-            <a:ext cx="9143640" cy="1228320"/>
+            <a:ext cx="9143280" cy="1227960"/>
           </a:xfrm>
           <a:prstGeom prst="rect">
             <a:avLst/>
@@ -5001,9 +4764,9 @@
         <p:grpSpPr>
           <a:xfrm>
             <a:off x="7534440" y="-10080"/>
-            <a:ext cx="1679400" cy="1190520"/>
+            <a:ext cx="1679040" cy="1190160"/>
             <a:chOff x="7534440" y="-10080"/>
-            <a:chExt cx="1679400" cy="1190520"/>
+            <a:chExt cx="1679040" cy="1190160"/>
           </a:xfrm>
         </p:grpSpPr>
         <p:pic>
@@ -5019,7 +4782,7 @@
           <p:spPr>
             <a:xfrm>
               <a:off x="7881480" y="-10080"/>
-              <a:ext cx="984960" cy="966240"/>
+              <a:ext cx="984600" cy="965880"/>
             </a:xfrm>
             <a:prstGeom prst="rect">
               <a:avLst/>
@@ -5038,7 +4801,7 @@
           <p:spPr>
             <a:xfrm>
               <a:off x="7534440" y="914040"/>
-              <a:ext cx="1679400" cy="266400"/>
+              <a:ext cx="1679040" cy="266040"/>
             </a:xfrm>
             <a:prstGeom prst="rect">
               <a:avLst/>
@@ -5094,31 +4857,25 @@
         <p:spPr>
           <a:xfrm>
             <a:off x="311760" y="288720"/>
-            <a:ext cx="8520120" cy="763200"/>
-          </a:xfrm>
-          <a:prstGeom prst="rect">
-            <a:avLst/>
-          </a:prstGeom>
-        </p:spPr>
-        <p:txBody>
-          <a:bodyPr tIns="91440" bIns="91440">
+            <a:ext cx="8519760" cy="762840"/>
+          </a:xfrm>
+          <a:prstGeom prst="rect">
+            <a:avLst/>
+          </a:prstGeom>
+        </p:spPr>
+        <p:txBody>
+          <a:bodyPr lIns="0" rIns="0" tIns="0" bIns="0" anchor="ctr">
             <a:noAutofit/>
           </a:bodyPr>
           <a:p>
             <a:pPr algn="ctr"/>
             <a:r>
-              <a:rPr b="0" lang="en-US" sz="2800" spc="-1" strike="noStrike">
-                <a:solidFill>
-                  <a:srgbClr val="000000"/>
-                </a:solidFill>
+              <a:rPr b="0" lang="en-US" sz="1800" spc="-1" strike="noStrike">
                 <a:latin typeface="Arial"/>
               </a:rPr>
               <a:t>Click to edit the title text format</a:t>
             </a:r>
-            <a:endParaRPr b="0" lang="en-US" sz="2800" spc="-1" strike="noStrike">
-              <a:solidFill>
-                <a:srgbClr val="000000"/>
-              </a:solidFill>
+            <a:endParaRPr b="0" lang="en-US" sz="1800" spc="-1" strike="noStrike">
               <a:latin typeface="Arial"/>
             </a:endParaRPr>
           </a:p>
@@ -5137,15 +4894,15 @@
         <p:spPr>
           <a:xfrm>
             <a:off x="311760" y="1536480"/>
-            <a:ext cx="8520120" cy="4554720"/>
-          </a:xfrm>
-          <a:prstGeom prst="rect">
-            <a:avLst/>
-          </a:prstGeom>
-        </p:spPr>
-        <p:txBody>
-          <a:bodyPr tIns="91440" bIns="91440">
-            <a:noAutofit/>
+            <a:ext cx="8519760" cy="4554360"/>
+          </a:xfrm>
+          <a:prstGeom prst="rect">
+            <a:avLst/>
+          </a:prstGeom>
+        </p:spPr>
+        <p:txBody>
+          <a:bodyPr lIns="0" rIns="0" tIns="0" bIns="0">
+            <a:normAutofit/>
           </a:bodyPr>
           <a:p>
             <a:pPr marL="432000" indent="-324000" algn="ctr">
@@ -5161,17 +4918,11 @@
             </a:pPr>
             <a:r>
               <a:rPr b="0" lang="en-US" sz="1800" spc="-1" strike="noStrike">
-                <a:solidFill>
-                  <a:srgbClr val="000000"/>
-                </a:solidFill>
                 <a:latin typeface="Arial"/>
               </a:rPr>
               <a:t>Click to edit the outline text format</a:t>
             </a:r>
             <a:endParaRPr b="0" lang="en-US" sz="1800" spc="-1" strike="noStrike">
-              <a:solidFill>
-                <a:srgbClr val="000000"/>
-              </a:solidFill>
               <a:latin typeface="Arial"/>
             </a:endParaRPr>
           </a:p>
@@ -5189,17 +4940,11 @@
             </a:pPr>
             <a:r>
               <a:rPr b="0" lang="en-US" sz="1800" spc="-1" strike="noStrike">
-                <a:solidFill>
-                  <a:srgbClr val="000000"/>
-                </a:solidFill>
                 <a:latin typeface="Arial"/>
               </a:rPr>
               <a:t>Second Outline Level</a:t>
             </a:r>
             <a:endParaRPr b="0" lang="en-US" sz="1800" spc="-1" strike="noStrike">
-              <a:solidFill>
-                <a:srgbClr val="000000"/>
-              </a:solidFill>
               <a:latin typeface="Arial"/>
             </a:endParaRPr>
           </a:p>
@@ -5217,17 +4962,11 @@
             </a:pPr>
             <a:r>
               <a:rPr b="0" lang="en-US" sz="1800" spc="-1" strike="noStrike">
-                <a:solidFill>
-                  <a:srgbClr val="000000"/>
-                </a:solidFill>
                 <a:latin typeface="Arial"/>
               </a:rPr>
               <a:t>Third Outline Level</a:t>
             </a:r>
             <a:endParaRPr b="0" lang="en-US" sz="1800" spc="-1" strike="noStrike">
-              <a:solidFill>
-                <a:srgbClr val="000000"/>
-              </a:solidFill>
               <a:latin typeface="Arial"/>
             </a:endParaRPr>
           </a:p>
@@ -5245,17 +4984,11 @@
             </a:pPr>
             <a:r>
               <a:rPr b="0" lang="en-US" sz="1800" spc="-1" strike="noStrike">
-                <a:solidFill>
-                  <a:srgbClr val="000000"/>
-                </a:solidFill>
                 <a:latin typeface="Arial"/>
               </a:rPr>
               <a:t>Fourth Outline Level</a:t>
             </a:r>
             <a:endParaRPr b="0" lang="en-US" sz="1800" spc="-1" strike="noStrike">
-              <a:solidFill>
-                <a:srgbClr val="000000"/>
-              </a:solidFill>
               <a:latin typeface="Arial"/>
             </a:endParaRPr>
           </a:p>
@@ -5273,17 +5006,11 @@
             </a:pPr>
             <a:r>
               <a:rPr b="0" lang="en-US" sz="1800" spc="-1" strike="noStrike">
-                <a:solidFill>
-                  <a:srgbClr val="000000"/>
-                </a:solidFill>
                 <a:latin typeface="Arial"/>
               </a:rPr>
               <a:t>Fifth Outline Level</a:t>
             </a:r>
             <a:endParaRPr b="0" lang="en-US" sz="1800" spc="-1" strike="noStrike">
-              <a:solidFill>
-                <a:srgbClr val="000000"/>
-              </a:solidFill>
               <a:latin typeface="Arial"/>
             </a:endParaRPr>
           </a:p>
@@ -5301,17 +5028,11 @@
             </a:pPr>
             <a:r>
               <a:rPr b="0" lang="en-US" sz="1800" spc="-1" strike="noStrike">
-                <a:solidFill>
-                  <a:srgbClr val="000000"/>
-                </a:solidFill>
                 <a:latin typeface="Arial"/>
               </a:rPr>
               <a:t>Sixth Outline Level</a:t>
             </a:r>
             <a:endParaRPr b="0" lang="en-US" sz="1800" spc="-1" strike="noStrike">
-              <a:solidFill>
-                <a:srgbClr val="000000"/>
-              </a:solidFill>
               <a:latin typeface="Arial"/>
             </a:endParaRPr>
           </a:p>
@@ -5329,63 +5050,12 @@
             </a:pPr>
             <a:r>
               <a:rPr b="0" lang="en-US" sz="1800" spc="-1" strike="noStrike">
-                <a:solidFill>
-                  <a:srgbClr val="000000"/>
-                </a:solidFill>
                 <a:latin typeface="Arial"/>
               </a:rPr>
               <a:t>Seventh Outline Level</a:t>
             </a:r>
             <a:endParaRPr b="0" lang="en-US" sz="1800" spc="-1" strike="noStrike">
-              <a:solidFill>
-                <a:srgbClr val="000000"/>
-              </a:solidFill>
-              <a:latin typeface="Arial"/>
-            </a:endParaRPr>
-          </a:p>
-        </p:txBody>
-      </p:sp>
-      <p:sp>
-        <p:nvSpPr>
-          <p:cNvPr id="59" name="PlaceHolder 6"/>
-          <p:cNvSpPr>
-            <a:spLocks noGrp="1"/>
-          </p:cNvSpPr>
-          <p:nvPr>
-            <p:ph type="sldNum"/>
-          </p:nvPr>
-        </p:nvSpPr>
-        <p:spPr>
-          <a:xfrm>
-            <a:off x="19800" y="6319080"/>
-            <a:ext cx="548280" cy="524520"/>
-          </a:xfrm>
-          <a:prstGeom prst="rect">
-            <a:avLst/>
-          </a:prstGeom>
-        </p:spPr>
-        <p:txBody>
-          <a:bodyPr tIns="91440" bIns="91440" anchor="ctr">
-            <a:noAutofit/>
-          </a:bodyPr>
-          <a:p>
-            <a:pPr algn="r">
-              <a:lnSpc>
-                <a:spcPct val="100000"/>
-              </a:lnSpc>
-            </a:pPr>
-            <a:fld id="{DF501ADB-8A0D-4939-89E3-2A54CB63EF9A}" type="slidenum">
-              <a:rPr b="0" lang="en" sz="1000" spc="-1" strike="noStrike">
-                <a:solidFill>
-                  <a:srgbClr val="595959"/>
-                </a:solidFill>
-                <a:latin typeface="Arial"/>
-                <a:ea typeface="Arial"/>
-              </a:rPr>
-              <a:t>&lt;number&gt;</a:t>
-            </a:fld>
-            <a:endParaRPr b="0" lang="en-US" sz="1000" spc="-1" strike="noStrike">
-              <a:latin typeface="Times New Roman"/>
+              <a:latin typeface="Arial"/>
             </a:endParaRPr>
           </a:p>
         </p:txBody>
@@ -5429,14 +5099,14 @@
       </p:grpSpPr>
       <p:sp>
         <p:nvSpPr>
-          <p:cNvPr id="102" name="TextShape 1"/>
-          <p:cNvSpPr txBox="1"/>
+          <p:cNvPr id="101" name="CustomShape 1"/>
+          <p:cNvSpPr/>
           <p:nvPr/>
         </p:nvSpPr>
         <p:spPr>
           <a:xfrm>
             <a:off x="311760" y="992880"/>
-            <a:ext cx="7256520" cy="2736720"/>
+            <a:ext cx="7256160" cy="2736360"/>
           </a:xfrm>
           <a:prstGeom prst="rect">
             <a:avLst/>
@@ -5446,15 +5116,21 @@
             <a:noFill/>
           </a:ln>
           <a:effectLst>
-            <a:outerShdw dist="19080" dir="5400000">
+            <a:outerShdw dir="5400000" dist="19080">
               <a:srgbClr val="000000">
                 <a:alpha val="50000"/>
               </a:srgbClr>
             </a:outerShdw>
           </a:effectLst>
         </p:spPr>
-        <p:txBody>
-          <a:bodyPr tIns="91440" bIns="91440" anchor="b">
+        <p:style>
+          <a:lnRef idx="0"/>
+          <a:fillRef idx="0"/>
+          <a:effectRef idx="0"/>
+          <a:fontRef idx="minor"/>
+        </p:style>
+        <p:txBody>
+          <a:bodyPr lIns="90000" rIns="90000" tIns="91440" bIns="91440" anchor="b">
             <a:noAutofit/>
           </a:bodyPr>
           <a:p>
@@ -5474,24 +5150,21 @@
               <a:t>RAMP Online Git Software Carpentry</a:t>
             </a:r>
             <a:endParaRPr b="0" lang="en-US" sz="3800" spc="-1" strike="noStrike">
-              <a:solidFill>
-                <a:srgbClr val="000000"/>
-              </a:solidFill>
-              <a:latin typeface="Arial"/>
-            </a:endParaRPr>
-          </a:p>
-        </p:txBody>
-      </p:sp>
-      <p:sp>
-        <p:nvSpPr>
-          <p:cNvPr id="103" name="TextShape 2"/>
-          <p:cNvSpPr txBox="1"/>
+              <a:latin typeface="Arial"/>
+            </a:endParaRPr>
+          </a:p>
+        </p:txBody>
+      </p:sp>
+      <p:sp>
+        <p:nvSpPr>
+          <p:cNvPr id="102" name="CustomShape 2"/>
+          <p:cNvSpPr/>
           <p:nvPr/>
         </p:nvSpPr>
         <p:spPr>
           <a:xfrm>
             <a:off x="311760" y="3778920"/>
-            <a:ext cx="8520120" cy="1626120"/>
+            <a:ext cx="8519760" cy="1625760"/>
           </a:xfrm>
           <a:prstGeom prst="rect">
             <a:avLst/>
@@ -5501,8 +5174,14 @@
             <a:noFill/>
           </a:ln>
         </p:spPr>
-        <p:txBody>
-          <a:bodyPr tIns="91440" bIns="91440">
+        <p:style>
+          <a:lnRef idx="0"/>
+          <a:fillRef idx="0"/>
+          <a:effectRef idx="0"/>
+          <a:fontRef idx="minor"/>
+        </p:style>
+        <p:txBody>
+          <a:bodyPr lIns="90000" rIns="90000" tIns="91440" bIns="91440">
             <a:noAutofit/>
           </a:bodyPr>
           <a:p>
@@ -5608,14 +5287,14 @@
       </p:grpSpPr>
       <p:sp>
         <p:nvSpPr>
-          <p:cNvPr id="104" name="TextShape 1"/>
-          <p:cNvSpPr txBox="1"/>
+          <p:cNvPr id="103" name="CustomShape 1"/>
+          <p:cNvSpPr/>
           <p:nvPr/>
         </p:nvSpPr>
         <p:spPr>
           <a:xfrm>
             <a:off x="311760" y="288720"/>
-            <a:ext cx="8520120" cy="763200"/>
+            <a:ext cx="8519760" cy="762840"/>
           </a:xfrm>
           <a:prstGeom prst="rect">
             <a:avLst/>
@@ -5625,8 +5304,14 @@
             <a:noFill/>
           </a:ln>
         </p:spPr>
-        <p:txBody>
-          <a:bodyPr tIns="91440" bIns="91440">
+        <p:style>
+          <a:lnRef idx="0"/>
+          <a:fillRef idx="0"/>
+          <a:effectRef idx="0"/>
+          <a:fontRef idx="minor"/>
+        </p:style>
+        <p:txBody>
+          <a:bodyPr lIns="90000" rIns="90000" tIns="91440" bIns="91440">
             <a:noAutofit/>
           </a:bodyPr>
           <a:p>
@@ -5646,24 +5331,21 @@
               <a:t>What we covered today</a:t>
             </a:r>
             <a:endParaRPr b="0" lang="en-US" sz="2800" spc="-1" strike="noStrike">
-              <a:solidFill>
-                <a:srgbClr val="000000"/>
-              </a:solidFill>
-              <a:latin typeface="Arial"/>
-            </a:endParaRPr>
-          </a:p>
-        </p:txBody>
-      </p:sp>
-      <p:sp>
-        <p:nvSpPr>
-          <p:cNvPr id="105" name="TextShape 2"/>
-          <p:cNvSpPr txBox="1"/>
+              <a:latin typeface="Arial"/>
+            </a:endParaRPr>
+          </a:p>
+        </p:txBody>
+      </p:sp>
+      <p:sp>
+        <p:nvSpPr>
+          <p:cNvPr id="104" name="CustomShape 2"/>
+          <p:cNvSpPr/>
           <p:nvPr/>
         </p:nvSpPr>
         <p:spPr>
           <a:xfrm>
             <a:off x="311760" y="1536480"/>
-            <a:ext cx="8749800" cy="4554720"/>
+            <a:ext cx="8749440" cy="4554360"/>
           </a:xfrm>
           <a:prstGeom prst="rect">
             <a:avLst/>
@@ -5673,12 +5355,18 @@
             <a:noFill/>
           </a:ln>
         </p:spPr>
-        <p:txBody>
-          <a:bodyPr tIns="91440" bIns="91440">
+        <p:style>
+          <a:lnRef idx="0"/>
+          <a:fillRef idx="0"/>
+          <a:effectRef idx="0"/>
+          <a:fontRef idx="minor"/>
+        </p:style>
+        <p:txBody>
+          <a:bodyPr lIns="90000" rIns="90000" tIns="91440" bIns="91440">
             <a:noAutofit/>
           </a:bodyPr>
           <a:p>
-            <a:pPr marL="457200" indent="-342720">
+            <a:pPr marL="457200" indent="-342360">
               <a:lnSpc>
                 <a:spcPct val="115000"/>
               </a:lnSpc>
@@ -5702,14 +5390,11 @@
               <a:t>Version control: what it is and why to use it</a:t>
             </a:r>
             <a:endParaRPr b="0" lang="en-US" sz="2800" spc="-1" strike="noStrike">
-              <a:solidFill>
-                <a:srgbClr val="000000"/>
-              </a:solidFill>
-              <a:latin typeface="Arial"/>
-            </a:endParaRPr>
-          </a:p>
-          <a:p>
-            <a:pPr marL="457200" indent="-342720">
+              <a:latin typeface="Arial"/>
+            </a:endParaRPr>
+          </a:p>
+          <a:p>
+            <a:pPr marL="457200" indent="-342360">
               <a:lnSpc>
                 <a:spcPct val="115000"/>
               </a:lnSpc>
@@ -5733,14 +5418,11 @@
               <a:t>Using Git repositories to track changes</a:t>
             </a:r>
             <a:endParaRPr b="0" lang="en-US" sz="2800" spc="-1" strike="noStrike">
-              <a:solidFill>
-                <a:srgbClr val="000000"/>
-              </a:solidFill>
-              <a:latin typeface="Arial"/>
-            </a:endParaRPr>
-          </a:p>
-          <a:p>
-            <a:pPr marL="457200" indent="-342720">
+              <a:latin typeface="Arial"/>
+            </a:endParaRPr>
+          </a:p>
+          <a:p>
+            <a:pPr marL="457200" indent="-342360">
               <a:lnSpc>
                 <a:spcPct val="115000"/>
               </a:lnSpc>
@@ -5764,14 +5446,11 @@
               <a:t>Exploring and comparing history of changes</a:t>
             </a:r>
             <a:endParaRPr b="0" lang="en-US" sz="2800" spc="-1" strike="noStrike">
-              <a:solidFill>
-                <a:srgbClr val="000000"/>
-              </a:solidFill>
-              <a:latin typeface="Arial"/>
-            </a:endParaRPr>
-          </a:p>
-          <a:p>
-            <a:pPr marL="457200" indent="-342720">
+              <a:latin typeface="Arial"/>
+            </a:endParaRPr>
+          </a:p>
+          <a:p>
+            <a:pPr marL="457200" indent="-342360">
               <a:lnSpc>
                 <a:spcPct val="115000"/>
               </a:lnSpc>
@@ -5795,14 +5474,11 @@
               <a:t>Working with remote Git repositories</a:t>
             </a:r>
             <a:endParaRPr b="0" lang="en-US" sz="2800" spc="-1" strike="noStrike">
-              <a:solidFill>
-                <a:srgbClr val="000000"/>
-              </a:solidFill>
-              <a:latin typeface="Arial"/>
-            </a:endParaRPr>
-          </a:p>
-          <a:p>
-            <a:pPr marL="457200" indent="-342720">
+              <a:latin typeface="Arial"/>
+            </a:endParaRPr>
+          </a:p>
+          <a:p>
+            <a:pPr marL="457200" indent="-342360">
               <a:lnSpc>
                 <a:spcPct val="115000"/>
               </a:lnSpc>
@@ -5826,14 +5502,11 @@
               <a:t>Using branches to scale collaborative development</a:t>
             </a:r>
             <a:endParaRPr b="0" lang="en-US" sz="2800" spc="-1" strike="noStrike">
-              <a:solidFill>
-                <a:srgbClr val="000000"/>
-              </a:solidFill>
-              <a:latin typeface="Arial"/>
-            </a:endParaRPr>
-          </a:p>
-          <a:p>
-            <a:pPr marL="457200" indent="-342720">
+              <a:latin typeface="Arial"/>
+            </a:endParaRPr>
+          </a:p>
+          <a:p>
+            <a:pPr marL="457200" indent="-342360">
               <a:lnSpc>
                 <a:spcPct val="115000"/>
               </a:lnSpc>
@@ -5857,9 +5530,6 @@
               <a:t>Submitting pull requests to merge changes</a:t>
             </a:r>
             <a:endParaRPr b="0" lang="en-US" sz="2800" spc="-1" strike="noStrike">
-              <a:solidFill>
-                <a:srgbClr val="000000"/>
-              </a:solidFill>
               <a:latin typeface="Arial"/>
             </a:endParaRPr>
           </a:p>
@@ -5873,9 +5543,6 @@
               </a:spcAft>
             </a:pPr>
             <a:endParaRPr b="0" lang="en-US" sz="2800" spc="-1" strike="noStrike">
-              <a:solidFill>
-                <a:srgbClr val="000000"/>
-              </a:solidFill>
               <a:latin typeface="Arial"/>
             </a:endParaRPr>
           </a:p>
@@ -5913,14 +5580,14 @@
       </p:grpSpPr>
       <p:sp>
         <p:nvSpPr>
-          <p:cNvPr id="106" name="TextShape 1"/>
-          <p:cNvSpPr txBox="1"/>
+          <p:cNvPr id="105" name="CustomShape 1"/>
+          <p:cNvSpPr/>
           <p:nvPr/>
         </p:nvSpPr>
         <p:spPr>
           <a:xfrm>
             <a:off x="311760" y="288720"/>
-            <a:ext cx="8520120" cy="763200"/>
+            <a:ext cx="8519760" cy="762840"/>
           </a:xfrm>
           <a:prstGeom prst="rect">
             <a:avLst/>
@@ -5930,8 +5597,14 @@
             <a:noFill/>
           </a:ln>
         </p:spPr>
-        <p:txBody>
-          <a:bodyPr tIns="91440" bIns="91440">
+        <p:style>
+          <a:lnRef idx="0"/>
+          <a:fillRef idx="0"/>
+          <a:effectRef idx="0"/>
+          <a:fontRef idx="minor"/>
+        </p:style>
+        <p:txBody>
+          <a:bodyPr lIns="90000" rIns="90000" tIns="91440" bIns="91440">
             <a:noAutofit/>
           </a:bodyPr>
           <a:p>
@@ -5951,24 +5624,21 @@
               <a:t>Wrap-up</a:t>
             </a:r>
             <a:endParaRPr b="0" lang="en-US" sz="2800" spc="-1" strike="noStrike">
-              <a:solidFill>
-                <a:srgbClr val="000000"/>
-              </a:solidFill>
-              <a:latin typeface="Arial"/>
-            </a:endParaRPr>
-          </a:p>
-        </p:txBody>
-      </p:sp>
-      <p:sp>
-        <p:nvSpPr>
-          <p:cNvPr id="107" name="TextShape 2"/>
-          <p:cNvSpPr txBox="1"/>
+              <a:latin typeface="Arial"/>
+            </a:endParaRPr>
+          </a:p>
+        </p:txBody>
+      </p:sp>
+      <p:sp>
+        <p:nvSpPr>
+          <p:cNvPr id="106" name="CustomShape 2"/>
+          <p:cNvSpPr/>
           <p:nvPr/>
         </p:nvSpPr>
         <p:spPr>
           <a:xfrm>
             <a:off x="311760" y="1536480"/>
-            <a:ext cx="8749800" cy="4554720"/>
+            <a:ext cx="8749440" cy="4554360"/>
           </a:xfrm>
           <a:prstGeom prst="rect">
             <a:avLst/>
@@ -5978,12 +5648,18 @@
             <a:noFill/>
           </a:ln>
         </p:spPr>
-        <p:txBody>
-          <a:bodyPr tIns="91440" bIns="91440">
+        <p:style>
+          <a:lnRef idx="0"/>
+          <a:fillRef idx="0"/>
+          <a:effectRef idx="0"/>
+          <a:fontRef idx="minor"/>
+        </p:style>
+        <p:txBody>
+          <a:bodyPr lIns="90000" rIns="90000" tIns="91440" bIns="91440">
             <a:noAutofit/>
           </a:bodyPr>
           <a:p>
-            <a:pPr marL="457200" indent="-342720">
+            <a:pPr marL="457200" indent="-342360">
               <a:lnSpc>
                 <a:spcPct val="115000"/>
               </a:lnSpc>
@@ -6007,14 +5683,11 @@
               <a:t>This was just a taster</a:t>
             </a:r>
             <a:endParaRPr b="0" lang="en-US" sz="2800" spc="-1" strike="noStrike">
-              <a:solidFill>
-                <a:srgbClr val="000000"/>
-              </a:solidFill>
-              <a:latin typeface="Arial"/>
-            </a:endParaRPr>
-          </a:p>
-          <a:p>
-            <a:pPr marL="457200" indent="-342720">
+              <a:latin typeface="Arial"/>
+            </a:endParaRPr>
+          </a:p>
+          <a:p>
+            <a:pPr marL="457200" indent="-342360">
               <a:lnSpc>
                 <a:spcPct val="115000"/>
               </a:lnSpc>
@@ -6038,14 +5711,50 @@
               <a:t>Many more courses available on software-carpentry.org</a:t>
             </a:r>
             <a:endParaRPr b="0" lang="en-US" sz="2800" spc="-1" strike="noStrike">
-              <a:solidFill>
-                <a:srgbClr val="000000"/>
-              </a:solidFill>
-              <a:latin typeface="Arial"/>
-            </a:endParaRPr>
-          </a:p>
-          <a:p>
-            <a:pPr marL="457200" indent="-342720">
+              <a:latin typeface="Arial"/>
+            </a:endParaRPr>
+          </a:p>
+          <a:p>
+            <a:pPr>
+              <a:lnSpc>
+                <a:spcPct val="115000"/>
+              </a:lnSpc>
+              <a:spcAft>
+                <a:spcPts val="601"/>
+              </a:spcAft>
+            </a:pPr>
+            <a:endParaRPr b="0" lang="en-US" sz="2800" spc="-1" strike="noStrike">
+              <a:latin typeface="Arial"/>
+            </a:endParaRPr>
+          </a:p>
+          <a:p>
+            <a:pPr>
+              <a:lnSpc>
+                <a:spcPct val="115000"/>
+              </a:lnSpc>
+              <a:spcAft>
+                <a:spcPts val="601"/>
+              </a:spcAft>
+            </a:pPr>
+            <a:endParaRPr b="0" lang="en-US" sz="2800" spc="-1" strike="noStrike">
+              <a:latin typeface="Arial"/>
+            </a:endParaRPr>
+          </a:p>
+          <a:p>
+            <a:pPr>
+              <a:lnSpc>
+                <a:spcPct val="115000"/>
+              </a:lnSpc>
+              <a:spcAft>
+                <a:spcPts val="601"/>
+              </a:spcAft>
+            </a:pPr>
+            <a:endParaRPr b="0" lang="en-US" sz="2800" spc="-1" strike="noStrike">
+              <a:latin typeface="Arial"/>
+            </a:endParaRPr>
+          </a:p>
+          <a:p>
+            <a:pPr marL="457200" indent="-342360">
               <a:lnSpc>
                 <a:spcPct val="115000"/>
               </a:lnSpc>
@@ -6058,15 +5767,22 @@
               <a:buFont typeface="Arial"/>
               <a:buChar char="●"/>
             </a:pPr>
+            <a:r>
+              <a:rPr b="0" lang="en-US" sz="2800" spc="-1" strike="noStrike">
+                <a:solidFill>
+                  <a:srgbClr val="595959"/>
+                </a:solidFill>
+                <a:latin typeface="Arial"/>
+                <a:ea typeface="Arial"/>
+              </a:rPr>
+              <a:t>Including how to handle merge conflicts</a:t>
+            </a:r>
             <a:endParaRPr b="0" lang="en-US" sz="2800" spc="-1" strike="noStrike">
-              <a:solidFill>
-                <a:srgbClr val="000000"/>
-              </a:solidFill>
-              <a:latin typeface="Arial"/>
-            </a:endParaRPr>
-          </a:p>
-          <a:p>
-            <a:pPr marL="457200" indent="-342720">
+              <a:latin typeface="Arial"/>
+            </a:endParaRPr>
+          </a:p>
+          <a:p>
+            <a:pPr marL="457200" indent="-342360">
               <a:lnSpc>
                 <a:spcPct val="115000"/>
               </a:lnSpc>
@@ -6079,48 +5795,6 @@
               <a:buFont typeface="Arial"/>
               <a:buChar char="●"/>
             </a:pPr>
-            <a:endParaRPr b="0" lang="en-US" sz="2800" spc="-1" strike="noStrike">
-              <a:solidFill>
-                <a:srgbClr val="000000"/>
-              </a:solidFill>
-              <a:latin typeface="Arial"/>
-            </a:endParaRPr>
-          </a:p>
-          <a:p>
-            <a:pPr marL="457200" indent="-342720">
-              <a:lnSpc>
-                <a:spcPct val="115000"/>
-              </a:lnSpc>
-              <a:spcAft>
-                <a:spcPts val="601"/>
-              </a:spcAft>
-              <a:buClr>
-                <a:srgbClr val="595959"/>
-              </a:buClr>
-              <a:buFont typeface="Arial"/>
-              <a:buChar char="●"/>
-            </a:pPr>
-            <a:endParaRPr b="0" lang="en-US" sz="2800" spc="-1" strike="noStrike">
-              <a:solidFill>
-                <a:srgbClr val="000000"/>
-              </a:solidFill>
-              <a:latin typeface="Arial"/>
-            </a:endParaRPr>
-          </a:p>
-          <a:p>
-            <a:pPr marL="457200" indent="-342720">
-              <a:lnSpc>
-                <a:spcPct val="115000"/>
-              </a:lnSpc>
-              <a:spcAft>
-                <a:spcPts val="601"/>
-              </a:spcAft>
-              <a:buClr>
-                <a:srgbClr val="595959"/>
-              </a:buClr>
-              <a:buFont typeface="Arial"/>
-              <a:buChar char="●"/>
-            </a:pPr>
             <a:r>
               <a:rPr b="0" lang="en-US" sz="2800" spc="-1" strike="noStrike">
                 <a:solidFill>
@@ -6129,59 +5803,22 @@
                 <a:latin typeface="Arial"/>
                 <a:ea typeface="Arial"/>
               </a:rPr>
-              <a:t>Including how to handle merge conflicts</a:t>
+              <a:t>Intermediate-level materials in development!</a:t>
             </a:r>
             <a:endParaRPr b="0" lang="en-US" sz="2800" spc="-1" strike="noStrike">
-              <a:solidFill>
-                <a:srgbClr val="000000"/>
-              </a:solidFill>
-              <a:latin typeface="Arial"/>
-            </a:endParaRPr>
-          </a:p>
-          <a:p>
-            <a:pPr marL="457200" indent="-342720">
+              <a:latin typeface="Arial"/>
+            </a:endParaRPr>
+          </a:p>
+          <a:p>
+            <a:pPr>
               <a:lnSpc>
                 <a:spcPct val="115000"/>
               </a:lnSpc>
               <a:spcAft>
                 <a:spcPts val="601"/>
               </a:spcAft>
-              <a:buClr>
-                <a:srgbClr val="595959"/>
-              </a:buClr>
-              <a:buFont typeface="Arial"/>
-              <a:buChar char="●"/>
-            </a:pPr>
-            <a:r>
-              <a:rPr b="0" lang="en-US" sz="2800" spc="-1" strike="noStrike">
-                <a:solidFill>
-                  <a:srgbClr val="595959"/>
-                </a:solidFill>
-                <a:latin typeface="Arial"/>
-                <a:ea typeface="Arial"/>
-              </a:rPr>
-              <a:t>Intermediate-level materials in development!</a:t>
-            </a:r>
+            </a:pPr>
             <a:endParaRPr b="0" lang="en-US" sz="2800" spc="-1" strike="noStrike">
-              <a:solidFill>
-                <a:srgbClr val="000000"/>
-              </a:solidFill>
-              <a:latin typeface="Arial"/>
-            </a:endParaRPr>
-          </a:p>
-          <a:p>
-            <a:pPr>
-              <a:lnSpc>
-                <a:spcPct val="115000"/>
-              </a:lnSpc>
-              <a:spcAft>
-                <a:spcPts val="601"/>
-              </a:spcAft>
-            </a:pPr>
-            <a:endParaRPr b="0" lang="en-US" sz="2800" spc="-1" strike="noStrike">
-              <a:solidFill>
-                <a:srgbClr val="000000"/>
-              </a:solidFill>
               <a:latin typeface="Arial"/>
             </a:endParaRPr>
           </a:p>
@@ -6189,7 +5826,7 @@
       </p:sp>
       <p:pic>
         <p:nvPicPr>
-          <p:cNvPr id="108" name="" descr=""/>
+          <p:cNvPr id="107" name="" descr=""/>
           <p:cNvPicPr/>
           <p:nvPr/>
         </p:nvPicPr>
@@ -6200,7 +5837,7 @@
         <p:spPr>
           <a:xfrm>
             <a:off x="3144960" y="2988000"/>
-            <a:ext cx="3922200" cy="1800000"/>
+            <a:ext cx="3921840" cy="1799640"/>
           </a:xfrm>
           <a:prstGeom prst="rect">
             <a:avLst/>
@@ -6242,14 +5879,14 @@
       </p:grpSpPr>
       <p:sp>
         <p:nvSpPr>
-          <p:cNvPr id="109" name="TextShape 1"/>
-          <p:cNvSpPr txBox="1"/>
+          <p:cNvPr id="108" name="CustomShape 1"/>
+          <p:cNvSpPr/>
           <p:nvPr/>
         </p:nvSpPr>
         <p:spPr>
           <a:xfrm>
             <a:off x="311760" y="288720"/>
-            <a:ext cx="8520120" cy="763200"/>
+            <a:ext cx="8519760" cy="762840"/>
           </a:xfrm>
           <a:prstGeom prst="rect">
             <a:avLst/>
@@ -6259,8 +5896,14 @@
             <a:noFill/>
           </a:ln>
         </p:spPr>
-        <p:txBody>
-          <a:bodyPr tIns="91440" bIns="91440">
+        <p:style>
+          <a:lnRef idx="0"/>
+          <a:fillRef idx="0"/>
+          <a:effectRef idx="0"/>
+          <a:fontRef idx="minor"/>
+        </p:style>
+        <p:txBody>
+          <a:bodyPr lIns="90000" rIns="90000" tIns="91440" bIns="91440">
             <a:noAutofit/>
           </a:bodyPr>
           <a:p>
@@ -6277,27 +5920,24 @@
                 <a:latin typeface="Arial"/>
                 <a:ea typeface="Arial"/>
               </a:rPr>
-              <a:t>Feedback</a:t>
+              <a:t>Where next</a:t>
             </a:r>
             <a:endParaRPr b="0" lang="en-US" sz="2800" spc="-1" strike="noStrike">
-              <a:solidFill>
-                <a:srgbClr val="000000"/>
-              </a:solidFill>
-              <a:latin typeface="Arial"/>
-            </a:endParaRPr>
-          </a:p>
-        </p:txBody>
-      </p:sp>
-      <p:sp>
-        <p:nvSpPr>
-          <p:cNvPr id="110" name="TextShape 2"/>
-          <p:cNvSpPr txBox="1"/>
+              <a:latin typeface="Arial"/>
+            </a:endParaRPr>
+          </a:p>
+        </p:txBody>
+      </p:sp>
+      <p:sp>
+        <p:nvSpPr>
+          <p:cNvPr id="109" name="CustomShape 2"/>
+          <p:cNvSpPr/>
           <p:nvPr/>
         </p:nvSpPr>
         <p:spPr>
           <a:xfrm>
             <a:off x="311760" y="1536480"/>
-            <a:ext cx="8520120" cy="5108400"/>
+            <a:ext cx="8519760" cy="5108040"/>
           </a:xfrm>
           <a:prstGeom prst="rect">
             <a:avLst/>
@@ -6307,12 +5947,18 @@
             <a:noFill/>
           </a:ln>
         </p:spPr>
-        <p:txBody>
-          <a:bodyPr tIns="91440" bIns="91440">
+        <p:style>
+          <a:lnRef idx="0"/>
+          <a:fillRef idx="0"/>
+          <a:effectRef idx="0"/>
+          <a:fontRef idx="minor"/>
+        </p:style>
+        <p:txBody>
+          <a:bodyPr lIns="90000" rIns="90000" tIns="91440" bIns="91440">
             <a:noAutofit/>
           </a:bodyPr>
           <a:p>
-            <a:pPr marL="457200" indent="-342720">
+            <a:pPr marL="457200" indent="-342360">
               <a:lnSpc>
                 <a:spcPct val="115000"/>
               </a:lnSpc>
@@ -6330,17 +5976,45 @@
                 <a:latin typeface="Arial"/>
                 <a:ea typeface="Arial"/>
               </a:rPr>
-              <a:t>This was a pilot lesson!</a:t>
+              <a:t>The Software Sustainability Institute has a range of guides</a:t>
             </a:r>
             <a:endParaRPr b="0" lang="en-US" sz="2800" spc="-1" strike="noStrike">
-              <a:solidFill>
+              <a:latin typeface="Arial"/>
+            </a:endParaRPr>
+          </a:p>
+          <a:p>
+            <a:pPr lvl="1" marL="864000" indent="-323640">
+              <a:lnSpc>
+                <a:spcPct val="100000"/>
+              </a:lnSpc>
+              <a:spcBef>
+                <a:spcPts val="1134"/>
+              </a:spcBef>
+              <a:buClr>
                 <a:srgbClr val="000000"/>
-              </a:solidFill>
-              <a:latin typeface="Arial"/>
-            </a:endParaRPr>
-          </a:p>
-          <a:p>
-            <a:pPr marL="457200" indent="-342720">
+              </a:buClr>
+              <a:buSzPct val="75000"/>
+              <a:buFont typeface="Symbol"/>
+              <a:buChar char=""/>
+            </a:pPr>
+            <a:r>
+              <a:rPr b="0" lang="en-US" sz="2000" spc="-1" strike="noStrike" u="sng">
+                <a:solidFill>
+                  <a:srgbClr val="0097a7"/>
+                </a:solidFill>
+                <a:uFillTx/>
+                <a:latin typeface="Arial"/>
+                <a:ea typeface="Arial"/>
+                <a:hlinkClick r:id="rId1"/>
+              </a:rPr>
+              <a:t>https://www.software.ac.uk/guides</a:t>
+            </a:r>
+            <a:endParaRPr b="0" lang="en-US" sz="2000" spc="-1" strike="noStrike">
+              <a:latin typeface="Arial"/>
+            </a:endParaRPr>
+          </a:p>
+          <a:p>
+            <a:pPr marL="457200" indent="-342360">
               <a:lnSpc>
                 <a:spcPct val="115000"/>
               </a:lnSpc>
@@ -6351,6 +6025,16 @@
               <a:buChar char="●"/>
             </a:pPr>
             <a:r>
+              <a:rPr b="1" lang="en-US" sz="2800" spc="-1" strike="noStrike">
+                <a:solidFill>
+                  <a:srgbClr val="595959"/>
+                </a:solidFill>
+                <a:latin typeface="Arial"/>
+                <a:ea typeface="Arial"/>
+              </a:rPr>
+              <a:t>Continuous Integration</a:t>
+            </a:r>
+            <a:r>
               <a:rPr b="0" lang="en-US" sz="2800" spc="-1" strike="noStrike">
                 <a:solidFill>
                   <a:srgbClr val="595959"/>
@@ -6358,26 +6042,65 @@
                 <a:latin typeface="Arial"/>
                 <a:ea typeface="Arial"/>
               </a:rPr>
-              <a:t>We want your thoughts on how it went</a:t>
+              <a:t> – automatically test your code every time you push to GitHub</a:t>
             </a:r>
             <a:endParaRPr b="0" lang="en-US" sz="2800" spc="-1" strike="noStrike">
-              <a:solidFill>
+              <a:latin typeface="Arial"/>
+            </a:endParaRPr>
+          </a:p>
+          <a:p>
+            <a:pPr lvl="1" marL="864000" indent="-323640">
+              <a:lnSpc>
+                <a:spcPct val="100000"/>
+              </a:lnSpc>
+              <a:spcBef>
+                <a:spcPts val="1134"/>
+              </a:spcBef>
+              <a:buClr>
                 <a:srgbClr val="000000"/>
-              </a:solidFill>
-              <a:latin typeface="Arial"/>
-            </a:endParaRPr>
-          </a:p>
-          <a:p>
-            <a:pPr marL="457200" indent="-342720">
+              </a:buClr>
+              <a:buSzPct val="75000"/>
+              <a:buFont typeface="Symbol"/>
+              <a:buChar char=""/>
+            </a:pPr>
+            <a:r>
+              <a:rPr b="0" lang="en-US" sz="1600" spc="-1" strike="noStrike" u="sng">
+                <a:solidFill>
+                  <a:srgbClr val="0097a7"/>
+                </a:solidFill>
+                <a:uFillTx/>
+                <a:latin typeface="Arial"/>
+                <a:ea typeface="Arial"/>
+                <a:hlinkClick r:id="rId2"/>
+              </a:rPr>
+              <a:t>https://software.ac.uk/using-continuous-integration-build-and-test-your-software</a:t>
+            </a:r>
+            <a:endParaRPr b="0" lang="en-US" sz="1600" spc="-1" strike="noStrike">
+              <a:latin typeface="Arial"/>
+            </a:endParaRPr>
+          </a:p>
+          <a:p>
+            <a:pPr marL="432000" indent="-323640">
               <a:lnSpc>
                 <a:spcPct val="115000"/>
               </a:lnSpc>
               <a:buClr>
-                <a:srgbClr val="595959"/>
+                <a:srgbClr val="000000"/>
               </a:buClr>
-              <a:buFont typeface="Arial"/>
-              <a:buChar char="●"/>
-            </a:pPr>
+              <a:buSzPct val="45000"/>
+              <a:buFont typeface="Wingdings" charset="2"/>
+              <a:buChar char=""/>
+            </a:pPr>
+            <a:r>
+              <a:rPr b="1" lang="en-US" sz="2800" spc="-1" strike="noStrike">
+                <a:solidFill>
+                  <a:srgbClr val="595959"/>
+                </a:solidFill>
+                <a:latin typeface="Arial"/>
+                <a:ea typeface="Arial"/>
+              </a:rPr>
+              <a:t>Writing Readable Source Code</a:t>
+            </a:r>
             <a:r>
               <a:rPr b="0" lang="en-US" sz="2800" spc="-1" strike="noStrike">
                 <a:solidFill>
@@ -6386,23 +6109,40 @@
                 <a:latin typeface="Arial"/>
                 <a:ea typeface="Arial"/>
               </a:rPr>
-              <a:t>Please fill in the post-workshop survey: </a:t>
-            </a:r>
-            <a:r>
-              <a:rPr b="0" lang="en-US" sz="2800" spc="-1" strike="noStrike">
+              <a:t> – make your code easier for collaborators to read</a:t>
+            </a:r>
+            <a:endParaRPr b="0" lang="en-US" sz="2800" spc="-1" strike="noStrike">
+              <a:latin typeface="Arial"/>
+            </a:endParaRPr>
+          </a:p>
+          <a:p>
+            <a:pPr lvl="1" marL="864000" indent="-323640">
+              <a:lnSpc>
+                <a:spcPct val="100000"/>
+              </a:lnSpc>
+              <a:spcBef>
+                <a:spcPts val="1134"/>
+              </a:spcBef>
+              <a:buClr>
+                <a:srgbClr val="000000"/>
+              </a:buClr>
+              <a:buSzPct val="75000"/>
+              <a:buFont typeface="Symbol"/>
+              <a:buChar char=""/>
+            </a:pPr>
+            <a:r>
+              <a:rPr b="0" lang="en-US" sz="1600" spc="-1" strike="noStrike" u="sng">
                 <a:solidFill>
-                  <a:srgbClr val="595959"/>
+                  <a:srgbClr val="0097a7"/>
                 </a:solidFill>
+                <a:uFillTx/>
                 <a:latin typeface="Arial"/>
                 <a:ea typeface="Arial"/>
-                <a:hlinkClick r:id="rId1"/>
-              </a:rPr>
-              <a:t>https://bit.ly/ramp-post-workshop</a:t>
-            </a:r>
-            <a:endParaRPr b="0" lang="en-US" sz="2800" spc="-1" strike="noStrike">
-              <a:solidFill>
-                <a:srgbClr val="000000"/>
-              </a:solidFill>
+                <a:hlinkClick r:id="rId3"/>
+              </a:rPr>
+              <a:t>https://software.ac.uk/resources/guides/writing-readable-source-code</a:t>
+            </a:r>
+            <a:endParaRPr b="0" lang="en-US" sz="1600" spc="-1" strike="noStrike">
               <a:latin typeface="Arial"/>
             </a:endParaRPr>
           </a:p>
@@ -6440,14 +6180,14 @@
       </p:grpSpPr>
       <p:sp>
         <p:nvSpPr>
-          <p:cNvPr id="111" name="TextShape 1"/>
-          <p:cNvSpPr txBox="1"/>
+          <p:cNvPr id="110" name="CustomShape 1"/>
+          <p:cNvSpPr/>
           <p:nvPr/>
         </p:nvSpPr>
         <p:spPr>
           <a:xfrm>
             <a:off x="311760" y="288720"/>
-            <a:ext cx="8520120" cy="763200"/>
+            <a:ext cx="8519760" cy="762840"/>
           </a:xfrm>
           <a:prstGeom prst="rect">
             <a:avLst/>
@@ -6457,8 +6197,14 @@
             <a:noFill/>
           </a:ln>
         </p:spPr>
-        <p:txBody>
-          <a:bodyPr tIns="91440" bIns="91440">
+        <p:style>
+          <a:lnRef idx="0"/>
+          <a:fillRef idx="0"/>
+          <a:effectRef idx="0"/>
+          <a:fontRef idx="minor"/>
+        </p:style>
+        <p:txBody>
+          <a:bodyPr lIns="90000" rIns="90000" tIns="91440" bIns="91440">
             <a:noAutofit/>
           </a:bodyPr>
           <a:p>
@@ -6475,27 +6221,24 @@
                 <a:latin typeface="Arial"/>
                 <a:ea typeface="Arial"/>
               </a:rPr>
-              <a:t>Where next</a:t>
+              <a:t>Feedback</a:t>
             </a:r>
             <a:endParaRPr b="0" lang="en-US" sz="2800" spc="-1" strike="noStrike">
-              <a:solidFill>
-                <a:srgbClr val="000000"/>
-              </a:solidFill>
-              <a:latin typeface="Arial"/>
-            </a:endParaRPr>
-          </a:p>
-        </p:txBody>
-      </p:sp>
-      <p:sp>
-        <p:nvSpPr>
-          <p:cNvPr id="112" name="TextShape 2"/>
-          <p:cNvSpPr txBox="1"/>
+              <a:latin typeface="Arial"/>
+            </a:endParaRPr>
+          </a:p>
+        </p:txBody>
+      </p:sp>
+      <p:sp>
+        <p:nvSpPr>
+          <p:cNvPr id="111" name="CustomShape 2"/>
+          <p:cNvSpPr/>
           <p:nvPr/>
         </p:nvSpPr>
         <p:spPr>
           <a:xfrm>
             <a:off x="311760" y="1536480"/>
-            <a:ext cx="8520120" cy="5108400"/>
+            <a:ext cx="8519760" cy="5108040"/>
           </a:xfrm>
           <a:prstGeom prst="rect">
             <a:avLst/>
@@ -6505,12 +6248,18 @@
             <a:noFill/>
           </a:ln>
         </p:spPr>
-        <p:txBody>
-          <a:bodyPr tIns="91440" bIns="91440">
+        <p:style>
+          <a:lnRef idx="0"/>
+          <a:fillRef idx="0"/>
+          <a:effectRef idx="0"/>
+          <a:fontRef idx="minor"/>
+        </p:style>
+        <p:txBody>
+          <a:bodyPr lIns="90000" rIns="90000" tIns="91440" bIns="91440">
             <a:noAutofit/>
           </a:bodyPr>
           <a:p>
-            <a:pPr marL="457200" indent="-342720">
+            <a:pPr marL="457200" indent="-342360">
               <a:lnSpc>
                 <a:spcPct val="115000"/>
               </a:lnSpc>
@@ -6528,47 +6277,14 @@
                 <a:latin typeface="Arial"/>
                 <a:ea typeface="Arial"/>
               </a:rPr>
-              <a:t>The Software Sustainability Institute has a range of guides</a:t>
+              <a:t>This was a pilot lesson!</a:t>
             </a:r>
             <a:endParaRPr b="0" lang="en-US" sz="2800" spc="-1" strike="noStrike">
-              <a:solidFill>
-                <a:srgbClr val="000000"/>
-              </a:solidFill>
-              <a:latin typeface="Arial"/>
-            </a:endParaRPr>
-          </a:p>
-          <a:p>
-            <a:pPr lvl="1" marL="864000" indent="-324000">
-              <a:spcBef>
-                <a:spcPts val="1134"/>
-              </a:spcBef>
-              <a:buClr>
-                <a:srgbClr val="000000"/>
-              </a:buClr>
-              <a:buSzPct val="75000"/>
-              <a:buFont typeface="Symbol" charset="2"/>
-              <a:buChar char=""/>
-            </a:pPr>
-            <a:r>
-              <a:rPr b="0" lang="en-US" sz="2000" spc="-1" strike="noStrike">
-                <a:solidFill>
-                  <a:srgbClr val="595959"/>
-                </a:solidFill>
-                <a:latin typeface="Arial"/>
-                <a:ea typeface="Arial"/>
-                <a:hlinkClick r:id="rId1"/>
-              </a:rPr>
-              <a:t>https://www.software.ac.uk/guides</a:t>
-            </a:r>
-            <a:endParaRPr b="0" lang="en-US" sz="2000" spc="-1" strike="noStrike">
-              <a:solidFill>
-                <a:srgbClr val="000000"/>
-              </a:solidFill>
-              <a:latin typeface="Arial"/>
-            </a:endParaRPr>
-          </a:p>
-          <a:p>
-            <a:pPr marL="457200" indent="-342720">
+              <a:latin typeface="Arial"/>
+            </a:endParaRPr>
+          </a:p>
+          <a:p>
+            <a:pPr marL="457200" indent="-342360">
               <a:lnSpc>
                 <a:spcPct val="115000"/>
               </a:lnSpc>
@@ -6579,16 +6295,6 @@
               <a:buChar char="●"/>
             </a:pPr>
             <a:r>
-              <a:rPr b="1" lang="en-US" sz="2800" spc="-1" strike="noStrike">
-                <a:solidFill>
-                  <a:srgbClr val="595959"/>
-                </a:solidFill>
-                <a:latin typeface="Arial"/>
-                <a:ea typeface="Arial"/>
-              </a:rPr>
-              <a:t>Continuous Integration</a:t>
-            </a:r>
-            <a:r>
               <a:rPr b="0" lang="en-US" sz="2800" spc="-1" strike="noStrike">
                 <a:solidFill>
                   <a:srgbClr val="595959"/>
@@ -6596,66 +6302,23 @@
                 <a:latin typeface="Arial"/>
                 <a:ea typeface="Arial"/>
               </a:rPr>
-              <a:t> – automatically test your code every time you push to GitHub</a:t>
+              <a:t>We want your thoughts on how it went</a:t>
             </a:r>
             <a:endParaRPr b="0" lang="en-US" sz="2800" spc="-1" strike="noStrike">
-              <a:solidFill>
-                <a:srgbClr val="000000"/>
-              </a:solidFill>
-              <a:latin typeface="Arial"/>
-            </a:endParaRPr>
-          </a:p>
-          <a:p>
-            <a:pPr lvl="1" marL="864000" indent="-324000">
-              <a:spcBef>
-                <a:spcPts val="1134"/>
-              </a:spcBef>
+              <a:latin typeface="Arial"/>
+            </a:endParaRPr>
+          </a:p>
+          <a:p>
+            <a:pPr marL="457200" indent="-342360">
+              <a:lnSpc>
+                <a:spcPct val="115000"/>
+              </a:lnSpc>
               <a:buClr>
-                <a:srgbClr val="000000"/>
+                <a:srgbClr val="595959"/>
               </a:buClr>
-              <a:buSzPct val="75000"/>
-              <a:buFont typeface="Symbol" charset="2"/>
-              <a:buChar char=""/>
-            </a:pPr>
-            <a:r>
-              <a:rPr b="0" lang="en-US" sz="1600" spc="-1" strike="noStrike">
-                <a:solidFill>
-                  <a:srgbClr val="575656"/>
-                </a:solidFill>
-                <a:latin typeface="Arial"/>
-                <a:hlinkClick r:id="rId2"/>
-              </a:rPr>
-              <a:t>https://software.ac.uk/using-continuous-integration-build-and-test-your-software</a:t>
-            </a:r>
-            <a:endParaRPr b="0" lang="en-US" sz="1600" spc="-1" strike="noStrike">
-              <a:solidFill>
-                <a:srgbClr val="000000"/>
-              </a:solidFill>
-              <a:latin typeface="Arial"/>
-            </a:endParaRPr>
-          </a:p>
-          <a:p>
-            <a:pPr marL="432000" indent="-324000">
-              <a:lnSpc>
-                <a:spcPct val="115000"/>
-              </a:lnSpc>
-              <a:buClr>
-                <a:srgbClr val="000000"/>
-              </a:buClr>
-              <a:buSzPct val="45000"/>
-              <a:buFont typeface="Wingdings" charset="2"/>
-              <a:buChar char=""/>
-            </a:pPr>
-            <a:r>
-              <a:rPr b="1" lang="en-US" sz="2800" spc="-1" strike="noStrike">
-                <a:solidFill>
-                  <a:srgbClr val="595959"/>
-                </a:solidFill>
-                <a:latin typeface="Arial"/>
-                <a:ea typeface="Arial"/>
-              </a:rPr>
-              <a:t>Writing Readable Source Code</a:t>
-            </a:r>
+              <a:buFont typeface="Arial"/>
+              <a:buChar char="●"/>
+            </a:pPr>
             <a:r>
               <a:rPr b="0" lang="en-US" sz="2800" spc="-1" strike="noStrike">
                 <a:solidFill>
@@ -6664,41 +6327,21 @@
                 <a:latin typeface="Arial"/>
                 <a:ea typeface="Arial"/>
               </a:rPr>
-              <a:t> – make your code easier for collaborators to read</a:t>
+              <a:t>Please fill in the post-workshop survey: </a:t>
+            </a:r>
+            <a:r>
+              <a:rPr b="0" lang="en-US" sz="2800" spc="-1" strike="noStrike" u="sng">
+                <a:solidFill>
+                  <a:srgbClr val="0097a7"/>
+                </a:solidFill>
+                <a:uFillTx/>
+                <a:latin typeface="Arial"/>
+                <a:ea typeface="Arial"/>
+                <a:hlinkClick r:id="rId1"/>
+              </a:rPr>
+              <a:t>https://bit.ly/ramp-post-workshop</a:t>
             </a:r>
             <a:endParaRPr b="0" lang="en-US" sz="2800" spc="-1" strike="noStrike">
-              <a:solidFill>
-                <a:srgbClr val="000000"/>
-              </a:solidFill>
-              <a:latin typeface="Arial"/>
-            </a:endParaRPr>
-          </a:p>
-          <a:p>
-            <a:pPr lvl="1" marL="864000" indent="-324000">
-              <a:spcBef>
-                <a:spcPts val="1134"/>
-              </a:spcBef>
-              <a:buClr>
-                <a:srgbClr val="000000"/>
-              </a:buClr>
-              <a:buSzPct val="75000"/>
-              <a:buFont typeface="Symbol" charset="2"/>
-              <a:buChar char=""/>
-            </a:pPr>
-            <a:r>
-              <a:rPr b="0" lang="en-US" sz="1600" spc="-1" strike="noStrike">
-                <a:solidFill>
-                  <a:srgbClr val="575656"/>
-                </a:solidFill>
-                <a:latin typeface="Arial"/>
-                <a:hlinkClick r:id="rId3"/>
-              </a:rPr>
-              <a:t>https://software.ac.uk/resources/guides/writing-readable-source-code</a:t>
-            </a:r>
-            <a:endParaRPr b="0" lang="en-US" sz="1600" spc="-1" strike="noStrike">
-              <a:solidFill>
-                <a:srgbClr val="000000"/>
-              </a:solidFill>
               <a:latin typeface="Arial"/>
             </a:endParaRPr>
           </a:p>
